--- a/colon2Filter.pptx
+++ b/colon2Filter.pptx
@@ -291,7 +291,7 @@
             <a:fld id="{1D8BD707-D9CF-40AE-B4C6-C98DA3205C09}" type="datetimeFigureOut">
               <a:rPr lang="en-US" smtClean="0"/>
               <a:pPr/>
-              <a:t>6/26/2015</a:t>
+              <a:t>6/30/2015</a:t>
             </a:fld>
             <a:endParaRPr lang="en-US"/>
           </a:p>
@@ -458,7 +458,7 @@
             <a:fld id="{1D8BD707-D9CF-40AE-B4C6-C98DA3205C09}" type="datetimeFigureOut">
               <a:rPr lang="en-US" smtClean="0"/>
               <a:pPr/>
-              <a:t>6/26/2015</a:t>
+              <a:t>6/30/2015</a:t>
             </a:fld>
             <a:endParaRPr lang="en-US"/>
           </a:p>
@@ -635,7 +635,7 @@
             <a:fld id="{1D8BD707-D9CF-40AE-B4C6-C98DA3205C09}" type="datetimeFigureOut">
               <a:rPr lang="en-US" smtClean="0"/>
               <a:pPr/>
-              <a:t>6/26/2015</a:t>
+              <a:t>6/30/2015</a:t>
             </a:fld>
             <a:endParaRPr lang="en-US"/>
           </a:p>
@@ -802,7 +802,7 @@
             <a:fld id="{1D8BD707-D9CF-40AE-B4C6-C98DA3205C09}" type="datetimeFigureOut">
               <a:rPr lang="en-US" smtClean="0"/>
               <a:pPr/>
-              <a:t>6/26/2015</a:t>
+              <a:t>6/30/2015</a:t>
             </a:fld>
             <a:endParaRPr lang="en-US"/>
           </a:p>
@@ -1046,7 +1046,7 @@
             <a:fld id="{1D8BD707-D9CF-40AE-B4C6-C98DA3205C09}" type="datetimeFigureOut">
               <a:rPr lang="en-US" smtClean="0"/>
               <a:pPr/>
-              <a:t>6/26/2015</a:t>
+              <a:t>6/30/2015</a:t>
             </a:fld>
             <a:endParaRPr lang="en-US"/>
           </a:p>
@@ -1312,7 +1312,7 @@
             <a:fld id="{1D8BD707-D9CF-40AE-B4C6-C98DA3205C09}" type="datetimeFigureOut">
               <a:rPr lang="en-US" smtClean="0"/>
               <a:pPr/>
-              <a:t>6/26/2015</a:t>
+              <a:t>6/30/2015</a:t>
             </a:fld>
             <a:endParaRPr lang="en-US"/>
           </a:p>
@@ -1692,7 +1692,7 @@
             <a:fld id="{1D8BD707-D9CF-40AE-B4C6-C98DA3205C09}" type="datetimeFigureOut">
               <a:rPr lang="en-US" smtClean="0"/>
               <a:pPr/>
-              <a:t>6/26/2015</a:t>
+              <a:t>6/30/2015</a:t>
             </a:fld>
             <a:endParaRPr lang="en-US"/>
           </a:p>
@@ -1844,7 +1844,7 @@
             <a:fld id="{1D8BD707-D9CF-40AE-B4C6-C98DA3205C09}" type="datetimeFigureOut">
               <a:rPr lang="en-US" smtClean="0"/>
               <a:pPr/>
-              <a:t>6/26/2015</a:t>
+              <a:t>6/30/2015</a:t>
             </a:fld>
             <a:endParaRPr lang="en-US"/>
           </a:p>
@@ -1936,7 +1936,7 @@
             <a:fld id="{1D8BD707-D9CF-40AE-B4C6-C98DA3205C09}" type="datetimeFigureOut">
               <a:rPr lang="en-US" smtClean="0"/>
               <a:pPr/>
-              <a:t>6/26/2015</a:t>
+              <a:t>6/30/2015</a:t>
             </a:fld>
             <a:endParaRPr lang="en-US"/>
           </a:p>
@@ -2199,7 +2199,7 @@
             <a:fld id="{1D8BD707-D9CF-40AE-B4C6-C98DA3205C09}" type="datetimeFigureOut">
               <a:rPr lang="en-US" smtClean="0"/>
               <a:pPr/>
-              <a:t>6/26/2015</a:t>
+              <a:t>6/30/2015</a:t>
             </a:fld>
             <a:endParaRPr lang="en-US"/>
           </a:p>
@@ -2489,7 +2489,7 @@
             <a:fld id="{1D8BD707-D9CF-40AE-B4C6-C98DA3205C09}" type="datetimeFigureOut">
               <a:rPr lang="en-US" smtClean="0"/>
               <a:pPr/>
-              <a:t>6/26/2015</a:t>
+              <a:t>6/30/2015</a:t>
             </a:fld>
             <a:endParaRPr lang="en-US"/>
           </a:p>
@@ -3262,7 +3262,7 @@
             <a:fld id="{1D8BD707-D9CF-40AE-B4C6-C98DA3205C09}" type="datetimeFigureOut">
               <a:rPr lang="en-US" smtClean="0"/>
               <a:pPr/>
-              <a:t>6/26/2015</a:t>
+              <a:t>6/30/2015</a:t>
             </a:fld>
             <a:endParaRPr lang="en-US"/>
           </a:p>
@@ -3900,7 +3900,11 @@
           <a:p>
             <a:r>
               <a:rPr lang="en-US" dirty="0" smtClean="0"/>
-              <a:t>Progress report for colon II filtering</a:t>
+              <a:t>Progress report </a:t>
+            </a:r>
+            <a:r>
+              <a:rPr lang="en-US" dirty="0" smtClean="0"/>
+              <a:t>for cancer type and stage </a:t>
             </a:r>
             <a:endParaRPr lang="en-US" dirty="0"/>
           </a:p>
@@ -3923,7 +3927,15 @@
           <a:p>
             <a:r>
               <a:rPr lang="en-US" dirty="0" smtClean="0"/>
-              <a:t>June 26, 2015</a:t>
+              <a:t>June </a:t>
+            </a:r>
+            <a:r>
+              <a:rPr lang="en-US" dirty="0" smtClean="0"/>
+              <a:t>30, </a:t>
+            </a:r>
+            <a:r>
+              <a:rPr lang="en-US" dirty="0" smtClean="0"/>
+              <a:t>2015</a:t>
             </a:r>
             <a:endParaRPr lang="en-US" dirty="0"/>
           </a:p>
@@ -4164,7 +4176,7 @@
         <p:spPr/>
         <p:txBody>
           <a:bodyPr>
-            <a:normAutofit/>
+            <a:normAutofit lnSpcReduction="10000"/>
           </a:bodyPr>
           <a:lstStyle/>
           <a:p>
@@ -4197,13 +4209,24 @@
             <a:pPr lvl="1"/>
             <a:r>
               <a:rPr lang="en-US" dirty="0" smtClean="0"/>
-              <a:t>Check surrounding text for words referring to colon cancer</a:t>
-            </a:r>
-          </a:p>
-          <a:p>
-            <a:r>
-              <a:rPr lang="en-US" dirty="0" smtClean="0"/>
-              <a:t>3. Grouping</a:t>
+              <a:t>Search for keyword corresponding to cancer type</a:t>
+            </a:r>
+          </a:p>
+          <a:p>
+            <a:pPr lvl="1"/>
+            <a:r>
+              <a:rPr lang="en-US" dirty="0" smtClean="0"/>
+              <a:t>Match between cancer type and stage of that particular cancer</a:t>
+            </a:r>
+          </a:p>
+          <a:p>
+            <a:r>
+              <a:rPr lang="en-US" dirty="0" smtClean="0"/>
+              <a:t>3</a:t>
+            </a:r>
+            <a:r>
+              <a:rPr lang="en-US" dirty="0" smtClean="0"/>
+              <a:t>. Grouping</a:t>
             </a:r>
           </a:p>
           <a:p>
@@ -4276,19 +4299,51 @@
         <p:spPr/>
         <p:txBody>
           <a:bodyPr>
-            <a:normAutofit/>
+            <a:normAutofit lnSpcReduction="10000"/>
           </a:bodyPr>
           <a:lstStyle/>
           <a:p>
             <a:r>
               <a:rPr lang="en-US" dirty="0" smtClean="0"/>
-              <a:t>Language: Python</a:t>
-            </a:r>
-          </a:p>
-          <a:p>
-            <a:r>
-              <a:rPr lang="en-US" dirty="0" smtClean="0"/>
-              <a:t>Functions: </a:t>
+              <a:t>Language: </a:t>
+            </a:r>
+            <a:r>
+              <a:rPr lang="en-US" dirty="0" smtClean="0"/>
+              <a:t>Python</a:t>
+            </a:r>
+          </a:p>
+          <a:p>
+            <a:r>
+              <a:rPr lang="en-US" dirty="0" smtClean="0"/>
+              <a:t>Task: read data from the </a:t>
+            </a:r>
+            <a:r>
+              <a:rPr lang="en-US" dirty="0" err="1" smtClean="0"/>
+              <a:t>csv</a:t>
+            </a:r>
+            <a:r>
+              <a:rPr lang="en-US" dirty="0" smtClean="0"/>
+              <a:t> file </a:t>
+            </a:r>
+          </a:p>
+          <a:p>
+            <a:pPr>
+              <a:buNone/>
+            </a:pPr>
+            <a:r>
+              <a:rPr lang="en-US" dirty="0" smtClean="0"/>
+              <a:t>and rearrange into desired format</a:t>
+            </a:r>
+            <a:endParaRPr lang="en-US" dirty="0" smtClean="0"/>
+          </a:p>
+          <a:p>
+            <a:r>
+              <a:rPr lang="en-US" dirty="0" smtClean="0"/>
+              <a:t>Functions</a:t>
+            </a:r>
+            <a:r>
+              <a:rPr lang="en-US" dirty="0" smtClean="0"/>
+              <a:t>: </a:t>
             </a:r>
           </a:p>
           <a:p>
@@ -4308,12 +4363,6 @@
             <a:endParaRPr lang="en-US" dirty="0" smtClean="0"/>
           </a:p>
           <a:p>
-            <a:r>
-              <a:rPr lang="en-US" dirty="0" smtClean="0"/>
-              <a:t>Main: </a:t>
-            </a:r>
-          </a:p>
-          <a:p>
             <a:pPr lvl="1"/>
             <a:r>
               <a:rPr lang="en-US" dirty="0" err="1" smtClean="0"/>
@@ -4334,14 +4383,27 @@
             <a:pPr lvl="1"/>
             <a:r>
               <a:rPr lang="en-US" dirty="0" smtClean="0"/>
-              <a:t>A dictionary of all patient mapping to their corresponding notes</a:t>
-            </a:r>
+              <a:t>A dictionary of all </a:t>
+            </a:r>
+            <a:r>
+              <a:rPr lang="en-US" dirty="0" smtClean="0"/>
+              <a:t>rows with 5 columns corresponding to date and notes (</a:t>
+            </a:r>
+            <a:r>
+              <a:rPr lang="en-US" dirty="0" err="1" smtClean="0"/>
+              <a:t>fDate,pDate,pNote,paDate,paNote</a:t>
+            </a:r>
+            <a:r>
+              <a:rPr lang="en-US" dirty="0" smtClean="0"/>
+              <a:t>)</a:t>
+            </a:r>
+            <a:endParaRPr lang="en-US" dirty="0" smtClean="0"/>
           </a:p>
         </p:txBody>
       </p:sp>
       <p:pic>
         <p:nvPicPr>
-          <p:cNvPr id="6" name="Picture 2"/>
+          <p:cNvPr id="1028" name="Picture 4"/>
           <p:cNvPicPr>
             <a:picLocks noChangeAspect="1" noChangeArrowheads="1"/>
           </p:cNvPicPr>
@@ -4356,8 +4418,8 @@
         </p:blipFill>
         <p:spPr bwMode="auto">
           <a:xfrm>
-            <a:off x="5486400" y="1143000"/>
-            <a:ext cx="2667000" cy="4046838"/>
+            <a:off x="3581400" y="3505200"/>
+            <a:ext cx="2057400" cy="1399032"/>
           </a:xfrm>
           <a:prstGeom prst="rect">
             <a:avLst/>
@@ -4373,7 +4435,7 @@
       </p:pic>
       <p:pic>
         <p:nvPicPr>
-          <p:cNvPr id="1027" name="Picture 3"/>
+          <p:cNvPr id="1026" name="Picture 2"/>
           <p:cNvPicPr>
             <a:picLocks noChangeAspect="1" noChangeArrowheads="1"/>
           </p:cNvPicPr>
@@ -4388,40 +4450,8 @@
         </p:blipFill>
         <p:spPr bwMode="auto">
           <a:xfrm>
-            <a:off x="3124200" y="2209800"/>
-            <a:ext cx="2079999" cy="1228725"/>
-          </a:xfrm>
-          <a:prstGeom prst="rect">
-            <a:avLst/>
-          </a:prstGeom>
-          <a:noFill/>
-          <a:ln w="9525">
-            <a:noFill/>
-            <a:miter lim="800000"/>
-            <a:headEnd/>
-            <a:tailEnd/>
-          </a:ln>
-        </p:spPr>
-      </p:pic>
-      <p:pic>
-        <p:nvPicPr>
-          <p:cNvPr id="1028" name="Picture 4"/>
-          <p:cNvPicPr>
-            <a:picLocks noChangeAspect="1" noChangeArrowheads="1"/>
-          </p:cNvPicPr>
-          <p:nvPr/>
-        </p:nvPicPr>
-        <p:blipFill>
-          <a:blip r:embed="rId4" cstate="print"/>
-          <a:srcRect/>
-          <a:stretch>
-            <a:fillRect/>
-          </a:stretch>
-        </p:blipFill>
-        <p:spPr bwMode="auto">
-          <a:xfrm>
-            <a:off x="3124200" y="3733800"/>
-            <a:ext cx="2057400" cy="1399032"/>
+            <a:off x="6096000" y="914400"/>
+            <a:ext cx="2667000" cy="4084832"/>
           </a:xfrm>
           <a:prstGeom prst="rect">
             <a:avLst/>
@@ -4496,14 +4526,25 @@
         <p:spPr/>
         <p:txBody>
           <a:bodyPr>
-            <a:normAutofit/>
+            <a:normAutofit lnSpcReduction="10000"/>
           </a:bodyPr>
           <a:lstStyle/>
           <a:p>
             <a:r>
               <a:rPr lang="en-US" dirty="0" smtClean="0"/>
-              <a:t>Language: Python</a:t>
-            </a:r>
+              <a:t>Language: </a:t>
+            </a:r>
+            <a:r>
+              <a:rPr lang="en-US" dirty="0" smtClean="0"/>
+              <a:t>Python</a:t>
+            </a:r>
+          </a:p>
+          <a:p>
+            <a:r>
+              <a:rPr lang="en-US" dirty="0" smtClean="0"/>
+              <a:t>Task: Extract cancer type and stage from the notes</a:t>
+            </a:r>
+            <a:endParaRPr lang="en-US" dirty="0" smtClean="0"/>
           </a:p>
           <a:p>
             <a:r>
@@ -4515,7 +4556,7 @@
             <a:pPr lvl="1"/>
             <a:r>
               <a:rPr lang="en-US" dirty="0" err="1" smtClean="0"/>
-              <a:t>cancer_capture</a:t>
+              <a:t>get_stage_num</a:t>
             </a:r>
             <a:endParaRPr lang="en-US" dirty="0" smtClean="0"/>
           </a:p>
@@ -4523,7 +4564,7 @@
             <a:pPr lvl="1"/>
             <a:r>
               <a:rPr lang="en-US" dirty="0" err="1" smtClean="0"/>
-              <a:t>findStages</a:t>
+              <a:t>get_cancer_type</a:t>
             </a:r>
             <a:endParaRPr lang="en-US" dirty="0" smtClean="0"/>
           </a:p>
@@ -4531,11 +4572,19 @@
             <a:pPr lvl="1"/>
             <a:r>
               <a:rPr lang="en-US" dirty="0" err="1" smtClean="0"/>
-              <a:t>getStageFromPa</a:t>
+              <a:t>get_stage_from_pa</a:t>
             </a:r>
             <a:endParaRPr lang="en-US" dirty="0" smtClean="0"/>
           </a:p>
           <a:p>
+            <a:pPr lvl="1"/>
+            <a:r>
+              <a:rPr lang="en-US" dirty="0" err="1" smtClean="0"/>
+              <a:t>match_result</a:t>
+            </a:r>
+            <a:endParaRPr lang="en-US" dirty="0" smtClean="0"/>
+          </a:p>
+          <a:p>
             <a:r>
               <a:rPr lang="en-US" dirty="0" smtClean="0"/>
               <a:t>Result:</a:t>
@@ -4545,7 +4594,27 @@
             <a:pPr lvl="1"/>
             <a:r>
               <a:rPr lang="en-US" dirty="0" smtClean="0"/>
-              <a:t>A dictionary of all stage corresponding to colon cancer occurred in each note</a:t>
+              <a:t>A dictionary of all </a:t>
+            </a:r>
+            <a:r>
+              <a:rPr lang="en-US" dirty="0" smtClean="0"/>
+              <a:t>stages </a:t>
+            </a:r>
+            <a:r>
+              <a:rPr lang="en-US" dirty="0" smtClean="0"/>
+              <a:t>corresponding to </a:t>
+            </a:r>
+            <a:r>
+              <a:rPr lang="en-US" dirty="0" smtClean="0"/>
+              <a:t>a particular type of </a:t>
+            </a:r>
+            <a:r>
+              <a:rPr lang="en-US" dirty="0" smtClean="0"/>
+              <a:t>cancer occurred in each </a:t>
+            </a:r>
+            <a:r>
+              <a:rPr lang="en-US" dirty="0" smtClean="0"/>
+              <a:t>note </a:t>
             </a:r>
             <a:endParaRPr lang="en-US" dirty="0"/>
           </a:p>

--- a/colon2Filter.pptx
+++ b/colon2Filter.pptx
@@ -4,18 +4,23 @@
   <p:sldMasterIdLst>
     <p:sldMasterId id="2147483708" r:id="rId1"/>
   </p:sldMasterIdLst>
+  <p:notesMasterIdLst>
+    <p:notesMasterId r:id="rId15"/>
+  </p:notesMasterIdLst>
   <p:sldIdLst>
     <p:sldId id="256" r:id="rId2"/>
     <p:sldId id="257" r:id="rId3"/>
     <p:sldId id="258" r:id="rId4"/>
     <p:sldId id="259" r:id="rId5"/>
     <p:sldId id="261" r:id="rId6"/>
-    <p:sldId id="264" r:id="rId7"/>
-    <p:sldId id="260" r:id="rId8"/>
-    <p:sldId id="265" r:id="rId9"/>
-    <p:sldId id="266" r:id="rId10"/>
-    <p:sldId id="262" r:id="rId11"/>
-    <p:sldId id="263" r:id="rId12"/>
+    <p:sldId id="268" r:id="rId7"/>
+    <p:sldId id="267" r:id="rId8"/>
+    <p:sldId id="264" r:id="rId9"/>
+    <p:sldId id="269" r:id="rId10"/>
+    <p:sldId id="270" r:id="rId11"/>
+    <p:sldId id="265" r:id="rId12"/>
+    <p:sldId id="266" r:id="rId13"/>
+    <p:sldId id="263" r:id="rId14"/>
   </p:sldIdLst>
   <p:sldSz cx="9144000" cy="6858000" type="screen4x3"/>
   <p:notesSz cx="6858000" cy="9144000"/>
@@ -115,6 +120,434 @@
     </a:lvl9pPr>
   </p:defaultTextStyle>
 </p:presentation>
+</file>
+
+<file path=ppt/notesMasters/notesMaster1.xml><?xml version="1.0" encoding="utf-8"?>
+<p:notesMaster xmlns:a="http://schemas.openxmlformats.org/drawingml/2006/main" xmlns:r="http://schemas.openxmlformats.org/officeDocument/2006/relationships" xmlns:p="http://schemas.openxmlformats.org/presentationml/2006/main">
+  <p:cSld>
+    <p:bg>
+      <p:bgRef idx="1001">
+        <a:schemeClr val="bg1"/>
+      </p:bgRef>
+    </p:bg>
+    <p:spTree>
+      <p:nvGrpSpPr>
+        <p:cNvPr id="1" name=""/>
+        <p:cNvGrpSpPr/>
+        <p:nvPr/>
+      </p:nvGrpSpPr>
+      <p:grpSpPr>
+        <a:xfrm>
+          <a:off x="0" y="0"/>
+          <a:ext cx="0" cy="0"/>
+          <a:chOff x="0" y="0"/>
+          <a:chExt cx="0" cy="0"/>
+        </a:xfrm>
+      </p:grpSpPr>
+      <p:sp>
+        <p:nvSpPr>
+          <p:cNvPr id="2" name="Header Placeholder 1"/>
+          <p:cNvSpPr>
+            <a:spLocks noGrp="1"/>
+          </p:cNvSpPr>
+          <p:nvPr>
+            <p:ph type="hdr" sz="quarter"/>
+          </p:nvPr>
+        </p:nvSpPr>
+        <p:spPr>
+          <a:xfrm>
+            <a:off x="0" y="0"/>
+            <a:ext cx="2971800" cy="457200"/>
+          </a:xfrm>
+          <a:prstGeom prst="rect">
+            <a:avLst/>
+          </a:prstGeom>
+        </p:spPr>
+        <p:txBody>
+          <a:bodyPr vert="horz" lIns="91440" tIns="45720" rIns="91440" bIns="45720" rtlCol="0"/>
+          <a:lstStyle>
+            <a:lvl1pPr algn="l">
+              <a:defRPr sz="1200"/>
+            </a:lvl1pPr>
+          </a:lstStyle>
+          <a:p>
+            <a:endParaRPr lang="en-US"/>
+          </a:p>
+        </p:txBody>
+      </p:sp>
+      <p:sp>
+        <p:nvSpPr>
+          <p:cNvPr id="3" name="Date Placeholder 2"/>
+          <p:cNvSpPr>
+            <a:spLocks noGrp="1"/>
+          </p:cNvSpPr>
+          <p:nvPr>
+            <p:ph type="dt" idx="1"/>
+          </p:nvPr>
+        </p:nvSpPr>
+        <p:spPr>
+          <a:xfrm>
+            <a:off x="3884613" y="0"/>
+            <a:ext cx="2971800" cy="457200"/>
+          </a:xfrm>
+          <a:prstGeom prst="rect">
+            <a:avLst/>
+          </a:prstGeom>
+        </p:spPr>
+        <p:txBody>
+          <a:bodyPr vert="horz" lIns="91440" tIns="45720" rIns="91440" bIns="45720" rtlCol="0"/>
+          <a:lstStyle>
+            <a:lvl1pPr algn="r">
+              <a:defRPr sz="1200"/>
+            </a:lvl1pPr>
+          </a:lstStyle>
+          <a:p>
+            <a:fld id="{02A63224-0270-4E49-A306-A52FA7998893}" type="datetimeFigureOut">
+              <a:rPr lang="en-US" smtClean="0"/>
+              <a:t>6/30/2015</a:t>
+            </a:fld>
+            <a:endParaRPr lang="en-US"/>
+          </a:p>
+        </p:txBody>
+      </p:sp>
+      <p:sp>
+        <p:nvSpPr>
+          <p:cNvPr id="4" name="Slide Image Placeholder 3"/>
+          <p:cNvSpPr>
+            <a:spLocks noGrp="1" noRot="1" noChangeAspect="1"/>
+          </p:cNvSpPr>
+          <p:nvPr>
+            <p:ph type="sldImg" idx="2"/>
+          </p:nvPr>
+        </p:nvSpPr>
+        <p:spPr>
+          <a:xfrm>
+            <a:off x="1143000" y="685800"/>
+            <a:ext cx="4572000" cy="3429000"/>
+          </a:xfrm>
+          <a:prstGeom prst="rect">
+            <a:avLst/>
+          </a:prstGeom>
+          <a:noFill/>
+          <a:ln w="12700">
+            <a:solidFill>
+              <a:prstClr val="black"/>
+            </a:solidFill>
+          </a:ln>
+        </p:spPr>
+        <p:txBody>
+          <a:bodyPr vert="horz" lIns="91440" tIns="45720" rIns="91440" bIns="45720" rtlCol="0" anchor="ctr"/>
+          <a:lstStyle/>
+          <a:p>
+            <a:endParaRPr lang="en-US"/>
+          </a:p>
+        </p:txBody>
+      </p:sp>
+      <p:sp>
+        <p:nvSpPr>
+          <p:cNvPr id="5" name="Notes Placeholder 4"/>
+          <p:cNvSpPr>
+            <a:spLocks noGrp="1"/>
+          </p:cNvSpPr>
+          <p:nvPr>
+            <p:ph type="body" sz="quarter" idx="3"/>
+          </p:nvPr>
+        </p:nvSpPr>
+        <p:spPr>
+          <a:xfrm>
+            <a:off x="685800" y="4343400"/>
+            <a:ext cx="5486400" cy="4114800"/>
+          </a:xfrm>
+          <a:prstGeom prst="rect">
+            <a:avLst/>
+          </a:prstGeom>
+        </p:spPr>
+        <p:txBody>
+          <a:bodyPr vert="horz" lIns="91440" tIns="45720" rIns="91440" bIns="45720" rtlCol="0">
+            <a:normAutofit/>
+          </a:bodyPr>
+          <a:lstStyle/>
+          <a:p>
+            <a:pPr lvl="0"/>
+            <a:r>
+              <a:rPr lang="en-US" smtClean="0"/>
+              <a:t>Click to edit Master text styles</a:t>
+            </a:r>
+          </a:p>
+          <a:p>
+            <a:pPr lvl="1"/>
+            <a:r>
+              <a:rPr lang="en-US" smtClean="0"/>
+              <a:t>Second level</a:t>
+            </a:r>
+          </a:p>
+          <a:p>
+            <a:pPr lvl="2"/>
+            <a:r>
+              <a:rPr lang="en-US" smtClean="0"/>
+              <a:t>Third level</a:t>
+            </a:r>
+          </a:p>
+          <a:p>
+            <a:pPr lvl="3"/>
+            <a:r>
+              <a:rPr lang="en-US" smtClean="0"/>
+              <a:t>Fourth level</a:t>
+            </a:r>
+          </a:p>
+          <a:p>
+            <a:pPr lvl="4"/>
+            <a:r>
+              <a:rPr lang="en-US" smtClean="0"/>
+              <a:t>Fifth level</a:t>
+            </a:r>
+            <a:endParaRPr lang="en-US"/>
+          </a:p>
+        </p:txBody>
+      </p:sp>
+      <p:sp>
+        <p:nvSpPr>
+          <p:cNvPr id="6" name="Footer Placeholder 5"/>
+          <p:cNvSpPr>
+            <a:spLocks noGrp="1"/>
+          </p:cNvSpPr>
+          <p:nvPr>
+            <p:ph type="ftr" sz="quarter" idx="4"/>
+          </p:nvPr>
+        </p:nvSpPr>
+        <p:spPr>
+          <a:xfrm>
+            <a:off x="0" y="8685213"/>
+            <a:ext cx="2971800" cy="457200"/>
+          </a:xfrm>
+          <a:prstGeom prst="rect">
+            <a:avLst/>
+          </a:prstGeom>
+        </p:spPr>
+        <p:txBody>
+          <a:bodyPr vert="horz" lIns="91440" tIns="45720" rIns="91440" bIns="45720" rtlCol="0" anchor="b"/>
+          <a:lstStyle>
+            <a:lvl1pPr algn="l">
+              <a:defRPr sz="1200"/>
+            </a:lvl1pPr>
+          </a:lstStyle>
+          <a:p>
+            <a:endParaRPr lang="en-US"/>
+          </a:p>
+        </p:txBody>
+      </p:sp>
+      <p:sp>
+        <p:nvSpPr>
+          <p:cNvPr id="7" name="Slide Number Placeholder 6"/>
+          <p:cNvSpPr>
+            <a:spLocks noGrp="1"/>
+          </p:cNvSpPr>
+          <p:nvPr>
+            <p:ph type="sldNum" sz="quarter" idx="5"/>
+          </p:nvPr>
+        </p:nvSpPr>
+        <p:spPr>
+          <a:xfrm>
+            <a:off x="3884613" y="8685213"/>
+            <a:ext cx="2971800" cy="457200"/>
+          </a:xfrm>
+          <a:prstGeom prst="rect">
+            <a:avLst/>
+          </a:prstGeom>
+        </p:spPr>
+        <p:txBody>
+          <a:bodyPr vert="horz" lIns="91440" tIns="45720" rIns="91440" bIns="45720" rtlCol="0" anchor="b"/>
+          <a:lstStyle>
+            <a:lvl1pPr algn="r">
+              <a:defRPr sz="1200"/>
+            </a:lvl1pPr>
+          </a:lstStyle>
+          <a:p>
+            <a:fld id="{CBAD00AD-12E9-45EB-BD21-9A2E9D8A9203}" type="slidenum">
+              <a:rPr lang="en-US" smtClean="0"/>
+              <a:t>‹#›</a:t>
+            </a:fld>
+            <a:endParaRPr lang="en-US"/>
+          </a:p>
+        </p:txBody>
+      </p:sp>
+    </p:spTree>
+  </p:cSld>
+  <p:clrMap bg1="lt1" tx1="dk1" bg2="lt2" tx2="dk2" accent1="accent1" accent2="accent2" accent3="accent3" accent4="accent4" accent5="accent5" accent6="accent6" hlink="hlink" folHlink="folHlink"/>
+  <p:notesStyle>
+    <a:lvl1pPr marL="0" algn="l" defTabSz="914400" rtl="0" eaLnBrk="1" latinLnBrk="0" hangingPunct="1">
+      <a:defRPr sz="1200" kern="1200">
+        <a:solidFill>
+          <a:schemeClr val="tx1"/>
+        </a:solidFill>
+        <a:latin typeface="+mn-lt"/>
+        <a:ea typeface="+mn-ea"/>
+        <a:cs typeface="+mn-cs"/>
+      </a:defRPr>
+    </a:lvl1pPr>
+    <a:lvl2pPr marL="457200" algn="l" defTabSz="914400" rtl="0" eaLnBrk="1" latinLnBrk="0" hangingPunct="1">
+      <a:defRPr sz="1200" kern="1200">
+        <a:solidFill>
+          <a:schemeClr val="tx1"/>
+        </a:solidFill>
+        <a:latin typeface="+mn-lt"/>
+        <a:ea typeface="+mn-ea"/>
+        <a:cs typeface="+mn-cs"/>
+      </a:defRPr>
+    </a:lvl2pPr>
+    <a:lvl3pPr marL="914400" algn="l" defTabSz="914400" rtl="0" eaLnBrk="1" latinLnBrk="0" hangingPunct="1">
+      <a:defRPr sz="1200" kern="1200">
+        <a:solidFill>
+          <a:schemeClr val="tx1"/>
+        </a:solidFill>
+        <a:latin typeface="+mn-lt"/>
+        <a:ea typeface="+mn-ea"/>
+        <a:cs typeface="+mn-cs"/>
+      </a:defRPr>
+    </a:lvl3pPr>
+    <a:lvl4pPr marL="1371600" algn="l" defTabSz="914400" rtl="0" eaLnBrk="1" latinLnBrk="0" hangingPunct="1">
+      <a:defRPr sz="1200" kern="1200">
+        <a:solidFill>
+          <a:schemeClr val="tx1"/>
+        </a:solidFill>
+        <a:latin typeface="+mn-lt"/>
+        <a:ea typeface="+mn-ea"/>
+        <a:cs typeface="+mn-cs"/>
+      </a:defRPr>
+    </a:lvl4pPr>
+    <a:lvl5pPr marL="1828800" algn="l" defTabSz="914400" rtl="0" eaLnBrk="1" latinLnBrk="0" hangingPunct="1">
+      <a:defRPr sz="1200" kern="1200">
+        <a:solidFill>
+          <a:schemeClr val="tx1"/>
+        </a:solidFill>
+        <a:latin typeface="+mn-lt"/>
+        <a:ea typeface="+mn-ea"/>
+        <a:cs typeface="+mn-cs"/>
+      </a:defRPr>
+    </a:lvl5pPr>
+    <a:lvl6pPr marL="2286000" algn="l" defTabSz="914400" rtl="0" eaLnBrk="1" latinLnBrk="0" hangingPunct="1">
+      <a:defRPr sz="1200" kern="1200">
+        <a:solidFill>
+          <a:schemeClr val="tx1"/>
+        </a:solidFill>
+        <a:latin typeface="+mn-lt"/>
+        <a:ea typeface="+mn-ea"/>
+        <a:cs typeface="+mn-cs"/>
+      </a:defRPr>
+    </a:lvl6pPr>
+    <a:lvl7pPr marL="2743200" algn="l" defTabSz="914400" rtl="0" eaLnBrk="1" latinLnBrk="0" hangingPunct="1">
+      <a:defRPr sz="1200" kern="1200">
+        <a:solidFill>
+          <a:schemeClr val="tx1"/>
+        </a:solidFill>
+        <a:latin typeface="+mn-lt"/>
+        <a:ea typeface="+mn-ea"/>
+        <a:cs typeface="+mn-cs"/>
+      </a:defRPr>
+    </a:lvl7pPr>
+    <a:lvl8pPr marL="3200400" algn="l" defTabSz="914400" rtl="0" eaLnBrk="1" latinLnBrk="0" hangingPunct="1">
+      <a:defRPr sz="1200" kern="1200">
+        <a:solidFill>
+          <a:schemeClr val="tx1"/>
+        </a:solidFill>
+        <a:latin typeface="+mn-lt"/>
+        <a:ea typeface="+mn-ea"/>
+        <a:cs typeface="+mn-cs"/>
+      </a:defRPr>
+    </a:lvl8pPr>
+    <a:lvl9pPr marL="3657600" algn="l" defTabSz="914400" rtl="0" eaLnBrk="1" latinLnBrk="0" hangingPunct="1">
+      <a:defRPr sz="1200" kern="1200">
+        <a:solidFill>
+          <a:schemeClr val="tx1"/>
+        </a:solidFill>
+        <a:latin typeface="+mn-lt"/>
+        <a:ea typeface="+mn-ea"/>
+        <a:cs typeface="+mn-cs"/>
+      </a:defRPr>
+    </a:lvl9pPr>
+  </p:notesStyle>
+</p:notesMaster>
+</file>
+
+<file path=ppt/notesSlides/notesSlide1.xml><?xml version="1.0" encoding="utf-8"?>
+<p:notes xmlns:a="http://schemas.openxmlformats.org/drawingml/2006/main" xmlns:r="http://schemas.openxmlformats.org/officeDocument/2006/relationships" xmlns:p="http://schemas.openxmlformats.org/presentationml/2006/main">
+  <p:cSld>
+    <p:spTree>
+      <p:nvGrpSpPr>
+        <p:cNvPr id="1" name=""/>
+        <p:cNvGrpSpPr/>
+        <p:nvPr/>
+      </p:nvGrpSpPr>
+      <p:grpSpPr>
+        <a:xfrm>
+          <a:off x="0" y="0"/>
+          <a:ext cx="0" cy="0"/>
+          <a:chOff x="0" y="0"/>
+          <a:chExt cx="0" cy="0"/>
+        </a:xfrm>
+      </p:grpSpPr>
+      <p:sp>
+        <p:nvSpPr>
+          <p:cNvPr id="2" name="Slide Image Placeholder 1"/>
+          <p:cNvSpPr>
+            <a:spLocks noGrp="1" noRot="1" noChangeAspect="1"/>
+          </p:cNvSpPr>
+          <p:nvPr>
+            <p:ph type="sldImg"/>
+          </p:nvPr>
+        </p:nvSpPr>
+        <p:spPr/>
+      </p:sp>
+      <p:sp>
+        <p:nvSpPr>
+          <p:cNvPr id="3" name="Notes Placeholder 2"/>
+          <p:cNvSpPr>
+            <a:spLocks noGrp="1"/>
+          </p:cNvSpPr>
+          <p:nvPr>
+            <p:ph type="body" idx="1"/>
+          </p:nvPr>
+        </p:nvSpPr>
+        <p:spPr/>
+        <p:txBody>
+          <a:bodyPr>
+            <a:normAutofit/>
+          </a:bodyPr>
+          <a:lstStyle/>
+          <a:p>
+            <a:endParaRPr lang="en-US" dirty="0"/>
+          </a:p>
+        </p:txBody>
+      </p:sp>
+      <p:sp>
+        <p:nvSpPr>
+          <p:cNvPr id="4" name="Slide Number Placeholder 3"/>
+          <p:cNvSpPr>
+            <a:spLocks noGrp="1"/>
+          </p:cNvSpPr>
+          <p:nvPr>
+            <p:ph type="sldNum" sz="quarter" idx="10"/>
+          </p:nvPr>
+        </p:nvSpPr>
+        <p:spPr/>
+        <p:txBody>
+          <a:bodyPr/>
+          <a:lstStyle/>
+          <a:p>
+            <a:fld id="{CBAD00AD-12E9-45EB-BD21-9A2E9D8A9203}" type="slidenum">
+              <a:rPr lang="en-US" smtClean="0"/>
+              <a:t>8</a:t>
+            </a:fld>
+            <a:endParaRPr lang="en-US"/>
+          </a:p>
+        </p:txBody>
+      </p:sp>
+    </p:spTree>
+  </p:cSld>
+  <p:clrMapOvr>
+    <a:masterClrMapping/>
+  </p:clrMapOvr>
+</p:notes>
 </file>
 
 <file path=ppt/slideLayouts/slideLayout1.xml><?xml version="1.0" encoding="utf-8"?>
@@ -3900,11 +4333,7 @@
           <a:p>
             <a:r>
               <a:rPr lang="en-US" dirty="0" smtClean="0"/>
-              <a:t>Progress report </a:t>
-            </a:r>
-            <a:r>
-              <a:rPr lang="en-US" dirty="0" smtClean="0"/>
-              <a:t>for cancer type and stage </a:t>
+              <a:t>Progress report for cancer type and stage </a:t>
             </a:r>
             <a:endParaRPr lang="en-US" dirty="0"/>
           </a:p>
@@ -3927,15 +4356,7 @@
           <a:p>
             <a:r>
               <a:rPr lang="en-US" dirty="0" smtClean="0"/>
-              <a:t>June </a:t>
-            </a:r>
-            <a:r>
-              <a:rPr lang="en-US" dirty="0" smtClean="0"/>
-              <a:t>30, </a:t>
-            </a:r>
-            <a:r>
-              <a:rPr lang="en-US" dirty="0" smtClean="0"/>
-              <a:t>2015</a:t>
+              <a:t>June 30, 2015</a:t>
             </a:r>
             <a:endParaRPr lang="en-US" dirty="0"/>
           </a:p>
@@ -3983,7 +4404,7 @@
           <a:p>
             <a:r>
               <a:rPr lang="en-US" dirty="0" smtClean="0"/>
-              <a:t>Challenges</a:t>
+              <a:t>Python script</a:t>
             </a:r>
             <a:endParaRPr lang="en-US" dirty="0"/>
           </a:p>
@@ -4006,23 +4427,117 @@
           <a:p>
             <a:r>
               <a:rPr lang="en-US" dirty="0" smtClean="0"/>
-              <a:t>Small data set and some notes are irrelevant</a:t>
-            </a:r>
-          </a:p>
-          <a:p>
-            <a:r>
-              <a:rPr lang="en-US" dirty="0" smtClean="0"/>
-              <a:t>Generalization of the algorithm : require a list of keywords for other types of cancers</a:t>
-            </a:r>
-          </a:p>
-          <a:p>
+              <a:t>Main</a:t>
+            </a:r>
+          </a:p>
+          <a:p>
+            <a:pPr lvl="1"/>
+            <a:r>
+              <a:rPr lang="en-US" dirty="0" err="1" smtClean="0"/>
+              <a:t>getData</a:t>
+            </a:r>
             <a:endParaRPr lang="en-US" dirty="0" smtClean="0"/>
           </a:p>
           <a:p>
+            <a:pPr lvl="1"/>
+            <a:r>
+              <a:rPr lang="en-US" dirty="0" err="1" smtClean="0"/>
+              <a:t>get_stage_num</a:t>
+            </a:r>
+            <a:endParaRPr lang="en-US" dirty="0" smtClean="0"/>
+          </a:p>
+          <a:p>
+            <a:pPr lvl="1"/>
+            <a:r>
+              <a:rPr lang="en-US" dirty="0" err="1" smtClean="0"/>
+              <a:t>get_stage_from_pa</a:t>
+            </a:r>
+            <a:endParaRPr lang="en-US" dirty="0" smtClean="0"/>
+          </a:p>
+          <a:p>
+            <a:pPr lvl="2"/>
+            <a:r>
+              <a:rPr lang="en-US" dirty="0" err="1" smtClean="0"/>
+              <a:t>meetReq</a:t>
+            </a:r>
+            <a:r>
+              <a:rPr lang="en-US" dirty="0" smtClean="0"/>
+              <a:t> : check if given key meet req. from req. list</a:t>
+            </a:r>
+          </a:p>
+          <a:p>
+            <a:pPr lvl="1"/>
+            <a:r>
+              <a:rPr lang="en-US" dirty="0" err="1" smtClean="0"/>
+              <a:t>get_cancer_type</a:t>
+            </a:r>
+            <a:endParaRPr lang="en-US" dirty="0" smtClean="0"/>
+          </a:p>
+          <a:p>
+            <a:pPr lvl="2"/>
+            <a:r>
+              <a:rPr lang="en-US" dirty="0" err="1" smtClean="0"/>
+              <a:t>hasString</a:t>
+            </a:r>
+            <a:r>
+              <a:rPr lang="en-US" dirty="0" smtClean="0"/>
+              <a:t> : check if string is contained in text</a:t>
+            </a:r>
+          </a:p>
+          <a:p>
+            <a:pPr lvl="2"/>
+            <a:r>
+              <a:rPr lang="en-US" dirty="0" err="1" smtClean="0"/>
+              <a:t>getString</a:t>
+            </a:r>
+            <a:r>
+              <a:rPr lang="en-US" dirty="0" smtClean="0"/>
+              <a:t> : return a list of words appear in text</a:t>
+            </a:r>
+          </a:p>
+          <a:p>
+            <a:pPr lvl="1"/>
+            <a:r>
+              <a:rPr lang="en-US" dirty="0" err="1" smtClean="0"/>
+              <a:t>match_result</a:t>
+            </a:r>
             <a:endParaRPr lang="en-US" dirty="0"/>
           </a:p>
         </p:txBody>
       </p:sp>
+      <p:cxnSp>
+        <p:nvCxnSpPr>
+          <p:cNvPr id="5" name="Straight Arrow Connector 4"/>
+          <p:cNvCxnSpPr/>
+          <p:nvPr/>
+        </p:nvCxnSpPr>
+        <p:spPr>
+          <a:xfrm>
+            <a:off x="2362200" y="2667000"/>
+            <a:ext cx="4953000" cy="0"/>
+          </a:xfrm>
+          <a:prstGeom prst="straightConnector1">
+            <a:avLst/>
+          </a:prstGeom>
+          <a:ln>
+            <a:tailEnd type="arrow"/>
+          </a:ln>
+        </p:spPr>
+        <p:style>
+          <a:lnRef idx="1">
+            <a:schemeClr val="accent1"/>
+          </a:lnRef>
+          <a:fillRef idx="0">
+            <a:schemeClr val="accent1"/>
+          </a:fillRef>
+          <a:effectRef idx="0">
+            <a:schemeClr val="accent1"/>
+          </a:effectRef>
+          <a:fontRef idx="minor">
+            <a:schemeClr val="tx1"/>
+          </a:fontRef>
+        </p:style>
+      </p:cxnSp>
     </p:spTree>
   </p:cSld>
   <p:clrMapOvr>
@@ -4065,6 +4580,360 @@
           <a:p>
             <a:r>
               <a:rPr lang="en-US" dirty="0" smtClean="0"/>
+              <a:t>Results</a:t>
+            </a:r>
+            <a:endParaRPr lang="en-US" dirty="0"/>
+          </a:p>
+        </p:txBody>
+      </p:sp>
+      <p:sp>
+        <p:nvSpPr>
+          <p:cNvPr id="3" name="Content Placeholder 2"/>
+          <p:cNvSpPr>
+            <a:spLocks noGrp="1"/>
+          </p:cNvSpPr>
+          <p:nvPr>
+            <p:ph idx="1"/>
+          </p:nvPr>
+        </p:nvSpPr>
+        <p:spPr/>
+        <p:txBody>
+          <a:bodyPr/>
+          <a:lstStyle/>
+          <a:p>
+            <a:r>
+              <a:rPr lang="en-US" dirty="0" smtClean="0"/>
+              <a:t>Manually observe to validate the results</a:t>
+            </a:r>
+          </a:p>
+          <a:p>
+            <a:r>
+              <a:rPr lang="en-US" dirty="0" smtClean="0"/>
+              <a:t>The algorithm works </a:t>
+            </a:r>
+            <a:r>
+              <a:rPr lang="en-US" dirty="0" smtClean="0"/>
+              <a:t>fine </a:t>
+            </a:r>
+            <a:r>
+              <a:rPr lang="en-US" dirty="0" smtClean="0"/>
+              <a:t>with notes containing stage keywords</a:t>
+            </a:r>
+          </a:p>
+          <a:p>
+            <a:r>
+              <a:rPr lang="en-US" dirty="0" smtClean="0"/>
+              <a:t>Retrieve: 70 rows where Total rows: </a:t>
+            </a:r>
+            <a:r>
+              <a:rPr lang="en-US" dirty="0" smtClean="0"/>
+              <a:t>617</a:t>
+            </a:r>
+          </a:p>
+          <a:p>
+            <a:r>
+              <a:rPr lang="en-US" dirty="0" smtClean="0"/>
+              <a:t>547 rows are missed:  </a:t>
+            </a:r>
+            <a:endParaRPr lang="en-US" dirty="0" smtClean="0"/>
+          </a:p>
+          <a:p>
+            <a:pPr lvl="1"/>
+            <a:r>
+              <a:rPr lang="en-US" dirty="0" smtClean="0"/>
+              <a:t>Impossible </a:t>
+            </a:r>
+            <a:r>
+              <a:rPr lang="en-US" dirty="0" smtClean="0"/>
+              <a:t>to identify: notes contain no useful information</a:t>
+            </a:r>
+          </a:p>
+          <a:p>
+            <a:pPr lvl="1"/>
+            <a:r>
+              <a:rPr lang="en-US" dirty="0" smtClean="0"/>
+              <a:t>Require additional knowledge</a:t>
+            </a:r>
+          </a:p>
+          <a:p>
+            <a:pPr lvl="1">
+              <a:buNone/>
+            </a:pPr>
+            <a:endParaRPr lang="en-US" dirty="0" smtClean="0"/>
+          </a:p>
+          <a:p>
+            <a:pPr lvl="1"/>
+            <a:endParaRPr lang="en-US" dirty="0" smtClean="0"/>
+          </a:p>
+        </p:txBody>
+      </p:sp>
+    </p:spTree>
+  </p:cSld>
+  <p:clrMapOvr>
+    <a:masterClrMapping/>
+  </p:clrMapOvr>
+</p:sld>
+</file>
+
+<file path=ppt/slides/slide12.xml><?xml version="1.0" encoding="utf-8"?>
+<p:sld xmlns:a="http://schemas.openxmlformats.org/drawingml/2006/main" xmlns:r="http://schemas.openxmlformats.org/officeDocument/2006/relationships" xmlns:p="http://schemas.openxmlformats.org/presentationml/2006/main">
+  <p:cSld>
+    <p:spTree>
+      <p:nvGrpSpPr>
+        <p:cNvPr id="1" name=""/>
+        <p:cNvGrpSpPr/>
+        <p:nvPr/>
+      </p:nvGrpSpPr>
+      <p:grpSpPr>
+        <a:xfrm>
+          <a:off x="0" y="0"/>
+          <a:ext cx="0" cy="0"/>
+          <a:chOff x="0" y="0"/>
+          <a:chExt cx="0" cy="0"/>
+        </a:xfrm>
+      </p:grpSpPr>
+      <p:sp>
+        <p:nvSpPr>
+          <p:cNvPr id="2" name="Title 1"/>
+          <p:cNvSpPr>
+            <a:spLocks noGrp="1"/>
+          </p:cNvSpPr>
+          <p:nvPr>
+            <p:ph type="title"/>
+          </p:nvPr>
+        </p:nvSpPr>
+        <p:spPr/>
+        <p:txBody>
+          <a:bodyPr/>
+          <a:lstStyle/>
+          <a:p>
+            <a:r>
+              <a:rPr lang="en-US" dirty="0" smtClean="0"/>
+              <a:t>Results</a:t>
+            </a:r>
+            <a:endParaRPr lang="en-US" dirty="0"/>
+          </a:p>
+        </p:txBody>
+      </p:sp>
+      <p:sp>
+        <p:nvSpPr>
+          <p:cNvPr id="3" name="Content Placeholder 2"/>
+          <p:cNvSpPr>
+            <a:spLocks noGrp="1"/>
+          </p:cNvSpPr>
+          <p:nvPr>
+            <p:ph idx="1"/>
+          </p:nvPr>
+        </p:nvSpPr>
+        <p:spPr>
+          <a:xfrm>
+            <a:off x="457200" y="1752600"/>
+            <a:ext cx="8229600" cy="4602163"/>
+          </a:xfrm>
+        </p:spPr>
+        <p:txBody>
+          <a:bodyPr/>
+          <a:lstStyle/>
+          <a:p>
+            <a:r>
+              <a:rPr lang="en-US" dirty="0" smtClean="0"/>
+              <a:t>Impossible to identify :</a:t>
+            </a:r>
+          </a:p>
+          <a:p>
+            <a:endParaRPr lang="en-US" dirty="0" smtClean="0"/>
+          </a:p>
+          <a:p>
+            <a:pPr>
+              <a:buNone/>
+            </a:pPr>
+            <a:endParaRPr lang="en-US" dirty="0" smtClean="0"/>
+          </a:p>
+          <a:p>
+            <a:pPr>
+              <a:buNone/>
+            </a:pPr>
+            <a:endParaRPr lang="en-US" dirty="0" smtClean="0"/>
+          </a:p>
+          <a:p>
+            <a:r>
+              <a:rPr lang="en-US" dirty="0" smtClean="0"/>
+              <a:t>May be possible with additional knowledge: </a:t>
+            </a:r>
+            <a:endParaRPr lang="en-US" dirty="0"/>
+          </a:p>
+        </p:txBody>
+      </p:sp>
+      <p:pic>
+        <p:nvPicPr>
+          <p:cNvPr id="2050" name="Picture 2"/>
+          <p:cNvPicPr>
+            <a:picLocks noChangeAspect="1" noChangeArrowheads="1"/>
+          </p:cNvPicPr>
+          <p:nvPr/>
+        </p:nvPicPr>
+        <p:blipFill>
+          <a:blip r:embed="rId2" cstate="print"/>
+          <a:srcRect/>
+          <a:stretch>
+            <a:fillRect/>
+          </a:stretch>
+        </p:blipFill>
+        <p:spPr bwMode="auto">
+          <a:xfrm>
+            <a:off x="914400" y="2286000"/>
+            <a:ext cx="2895600" cy="1168254"/>
+          </a:xfrm>
+          <a:prstGeom prst="rect">
+            <a:avLst/>
+          </a:prstGeom>
+          <a:noFill/>
+          <a:ln w="9525">
+            <a:noFill/>
+            <a:miter lim="800000"/>
+            <a:headEnd/>
+            <a:tailEnd/>
+          </a:ln>
+        </p:spPr>
+      </p:pic>
+      <p:pic>
+        <p:nvPicPr>
+          <p:cNvPr id="2051" name="Picture 3"/>
+          <p:cNvPicPr>
+            <a:picLocks noChangeAspect="1" noChangeArrowheads="1"/>
+          </p:cNvPicPr>
+          <p:nvPr/>
+        </p:nvPicPr>
+        <p:blipFill>
+          <a:blip r:embed="rId3" cstate="print"/>
+          <a:srcRect/>
+          <a:stretch>
+            <a:fillRect/>
+          </a:stretch>
+        </p:blipFill>
+        <p:spPr bwMode="auto">
+          <a:xfrm>
+            <a:off x="5105400" y="2286000"/>
+            <a:ext cx="2514600" cy="528933"/>
+          </a:xfrm>
+          <a:prstGeom prst="rect">
+            <a:avLst/>
+          </a:prstGeom>
+          <a:noFill/>
+          <a:ln w="9525">
+            <a:noFill/>
+            <a:miter lim="800000"/>
+            <a:headEnd/>
+            <a:tailEnd/>
+          </a:ln>
+        </p:spPr>
+      </p:pic>
+      <p:pic>
+        <p:nvPicPr>
+          <p:cNvPr id="2052" name="Picture 4"/>
+          <p:cNvPicPr>
+            <a:picLocks noChangeAspect="1" noChangeArrowheads="1"/>
+          </p:cNvPicPr>
+          <p:nvPr/>
+        </p:nvPicPr>
+        <p:blipFill>
+          <a:blip r:embed="rId4" cstate="print"/>
+          <a:srcRect/>
+          <a:stretch>
+            <a:fillRect/>
+          </a:stretch>
+        </p:blipFill>
+        <p:spPr bwMode="auto">
+          <a:xfrm>
+            <a:off x="304800" y="4267200"/>
+            <a:ext cx="4191000" cy="1066800"/>
+          </a:xfrm>
+          <a:prstGeom prst="rect">
+            <a:avLst/>
+          </a:prstGeom>
+          <a:noFill/>
+          <a:ln w="9525">
+            <a:noFill/>
+            <a:miter lim="800000"/>
+            <a:headEnd/>
+            <a:tailEnd/>
+          </a:ln>
+        </p:spPr>
+      </p:pic>
+      <p:pic>
+        <p:nvPicPr>
+          <p:cNvPr id="2053" name="Picture 5"/>
+          <p:cNvPicPr>
+            <a:picLocks noChangeAspect="1" noChangeArrowheads="1"/>
+          </p:cNvPicPr>
+          <p:nvPr/>
+        </p:nvPicPr>
+        <p:blipFill>
+          <a:blip r:embed="rId5" cstate="print"/>
+          <a:srcRect/>
+          <a:stretch>
+            <a:fillRect/>
+          </a:stretch>
+        </p:blipFill>
+        <p:spPr bwMode="auto">
+          <a:xfrm>
+            <a:off x="4648200" y="4114800"/>
+            <a:ext cx="4267200" cy="2362200"/>
+          </a:xfrm>
+          <a:prstGeom prst="rect">
+            <a:avLst/>
+          </a:prstGeom>
+          <a:noFill/>
+          <a:ln w="9525">
+            <a:noFill/>
+            <a:miter lim="800000"/>
+            <a:headEnd/>
+            <a:tailEnd/>
+          </a:ln>
+        </p:spPr>
+      </p:pic>
+    </p:spTree>
+  </p:cSld>
+  <p:clrMapOvr>
+    <a:masterClrMapping/>
+  </p:clrMapOvr>
+</p:sld>
+</file>
+
+<file path=ppt/slides/slide13.xml><?xml version="1.0" encoding="utf-8"?>
+<p:sld xmlns:a="http://schemas.openxmlformats.org/drawingml/2006/main" xmlns:r="http://schemas.openxmlformats.org/officeDocument/2006/relationships" xmlns:p="http://schemas.openxmlformats.org/presentationml/2006/main">
+  <p:cSld>
+    <p:spTree>
+      <p:nvGrpSpPr>
+        <p:cNvPr id="1" name=""/>
+        <p:cNvGrpSpPr/>
+        <p:nvPr/>
+      </p:nvGrpSpPr>
+      <p:grpSpPr>
+        <a:xfrm>
+          <a:off x="0" y="0"/>
+          <a:ext cx="0" cy="0"/>
+          <a:chOff x="0" y="0"/>
+          <a:chExt cx="0" cy="0"/>
+        </a:xfrm>
+      </p:grpSpPr>
+      <p:sp>
+        <p:nvSpPr>
+          <p:cNvPr id="2" name="Title 1"/>
+          <p:cNvSpPr>
+            <a:spLocks noGrp="1"/>
+          </p:cNvSpPr>
+          <p:nvPr>
+            <p:ph type="title"/>
+          </p:nvPr>
+        </p:nvSpPr>
+        <p:spPr/>
+        <p:txBody>
+          <a:bodyPr/>
+          <a:lstStyle/>
+          <a:p>
+            <a:r>
+              <a:rPr lang="en-US" dirty="0" smtClean="0"/>
               <a:t>Future plan/idea</a:t>
             </a:r>
             <a:endParaRPr lang="en-US" dirty="0"/>
@@ -4088,7 +4957,24 @@
           <a:p>
             <a:r>
               <a:rPr lang="en-US" dirty="0" smtClean="0"/>
-              <a:t>Learn knowledge (topics/ clustering ,…) from results which we already know the stage of the cancer and apply with unlabeled part</a:t>
+              <a:t>Test the algorithm on a bigger data set and different cancer type</a:t>
+            </a:r>
+          </a:p>
+          <a:p>
+            <a:r>
+              <a:rPr lang="en-US" dirty="0" smtClean="0"/>
+              <a:t>Create a user interface</a:t>
+            </a:r>
+            <a:endParaRPr lang="en-US" dirty="0" smtClean="0"/>
+          </a:p>
+          <a:p>
+            <a:r>
+              <a:rPr lang="en-US" dirty="0" smtClean="0"/>
+              <a:t>Learn </a:t>
+            </a:r>
+            <a:r>
+              <a:rPr lang="en-US" dirty="0" smtClean="0"/>
+              <a:t>knowledge (topics/ clustering ,…) from results which we already know the stage of the cancer and apply with unlabeled part</a:t>
             </a:r>
           </a:p>
           <a:p>
@@ -4101,14 +4987,13 @@
           <a:p>
             <a:r>
               <a:rPr lang="en-US" dirty="0" smtClean="0"/>
-              <a:t>Get knowledge from expertise (e.g. keywords for different stages)</a:t>
-            </a:r>
-          </a:p>
-          <a:p>
-            <a:r>
-              <a:rPr lang="en-US" dirty="0" smtClean="0"/>
-              <a:t>Generalize the algorithm for other cancer types</a:t>
-            </a:r>
+              <a:t>Get knowledge from </a:t>
+            </a:r>
+            <a:r>
+              <a:rPr lang="en-US" dirty="0" smtClean="0"/>
+              <a:t>expertise</a:t>
+            </a:r>
+            <a:endParaRPr lang="en-US" dirty="0" smtClean="0"/>
           </a:p>
           <a:p>
             <a:endParaRPr lang="en-US" dirty="0"/>
@@ -4222,12 +5107,13 @@
           <a:p>
             <a:r>
               <a:rPr lang="en-US" dirty="0" smtClean="0"/>
-              <a:t>3</a:t>
-            </a:r>
-            <a:r>
-              <a:rPr lang="en-US" dirty="0" smtClean="0"/>
-              <a:t>. Grouping</a:t>
-            </a:r>
+              <a:t>3. </a:t>
+            </a:r>
+            <a:r>
+              <a:rPr lang="en-US" dirty="0" smtClean="0"/>
+              <a:t>Results</a:t>
+            </a:r>
+            <a:endParaRPr lang="en-US" dirty="0" smtClean="0"/>
           </a:p>
           <a:p>
             <a:pPr lvl="1"/>
@@ -4305,11 +5191,7 @@
           <a:p>
             <a:r>
               <a:rPr lang="en-US" dirty="0" smtClean="0"/>
-              <a:t>Language: </a:t>
-            </a:r>
-            <a:r>
-              <a:rPr lang="en-US" dirty="0" smtClean="0"/>
-              <a:t>Python</a:t>
+              <a:t>Language: Python</a:t>
             </a:r>
           </a:p>
           <a:p>
@@ -4334,16 +5216,11 @@
               <a:rPr lang="en-US" dirty="0" smtClean="0"/>
               <a:t>and rearrange into desired format</a:t>
             </a:r>
-            <a:endParaRPr lang="en-US" dirty="0" smtClean="0"/>
-          </a:p>
-          <a:p>
-            <a:r>
-              <a:rPr lang="en-US" dirty="0" smtClean="0"/>
-              <a:t>Functions</a:t>
-            </a:r>
-            <a:r>
-              <a:rPr lang="en-US" dirty="0" smtClean="0"/>
-              <a:t>: </a:t>
+          </a:p>
+          <a:p>
+            <a:r>
+              <a:rPr lang="en-US" dirty="0" smtClean="0"/>
+              <a:t>Functions: </a:t>
             </a:r>
           </a:p>
           <a:p>
@@ -4383,11 +5260,7 @@
             <a:pPr lvl="1"/>
             <a:r>
               <a:rPr lang="en-US" dirty="0" smtClean="0"/>
-              <a:t>A dictionary of all </a:t>
-            </a:r>
-            <a:r>
-              <a:rPr lang="en-US" dirty="0" smtClean="0"/>
-              <a:t>rows with 5 columns corresponding to date and notes (</a:t>
+              <a:t>A dictionary of all rows with 5 columns corresponding to date and notes (</a:t>
             </a:r>
             <a:r>
               <a:rPr lang="en-US" dirty="0" err="1" smtClean="0"/>
@@ -4397,7 +5270,6 @@
               <a:rPr lang="en-US" dirty="0" smtClean="0"/>
               <a:t>)</a:t>
             </a:r>
-            <a:endParaRPr lang="en-US" dirty="0" smtClean="0"/>
           </a:p>
         </p:txBody>
       </p:sp>
@@ -4532,11 +5404,7 @@
           <a:p>
             <a:r>
               <a:rPr lang="en-US" dirty="0" smtClean="0"/>
-              <a:t>Language: </a:t>
-            </a:r>
-            <a:r>
-              <a:rPr lang="en-US" dirty="0" smtClean="0"/>
-              <a:t>Python</a:t>
+              <a:t>Language: Python</a:t>
             </a:r>
           </a:p>
           <a:p>
@@ -4544,7 +5412,6 @@
               <a:rPr lang="en-US" dirty="0" smtClean="0"/>
               <a:t>Task: Extract cancer type and stage from the notes</a:t>
             </a:r>
-            <a:endParaRPr lang="en-US" dirty="0" smtClean="0"/>
           </a:p>
           <a:p>
             <a:r>
@@ -4564,15 +5431,15 @@
             <a:pPr lvl="1"/>
             <a:r>
               <a:rPr lang="en-US" dirty="0" err="1" smtClean="0"/>
+              <a:t>get_stage_from_pa</a:t>
+            </a:r>
+            <a:endParaRPr lang="en-US" dirty="0" smtClean="0"/>
+          </a:p>
+          <a:p>
+            <a:pPr lvl="1"/>
+            <a:r>
+              <a:rPr lang="en-US" dirty="0" err="1" smtClean="0"/>
               <a:t>get_cancer_type</a:t>
-            </a:r>
-            <a:endParaRPr lang="en-US" dirty="0" smtClean="0"/>
-          </a:p>
-          <a:p>
-            <a:pPr lvl="1"/>
-            <a:r>
-              <a:rPr lang="en-US" dirty="0" err="1" smtClean="0"/>
-              <a:t>get_stage_from_pa</a:t>
             </a:r>
             <a:endParaRPr lang="en-US" dirty="0" smtClean="0"/>
           </a:p>
@@ -4594,27 +5461,7 @@
             <a:pPr lvl="1"/>
             <a:r>
               <a:rPr lang="en-US" dirty="0" smtClean="0"/>
-              <a:t>A dictionary of all </a:t>
-            </a:r>
-            <a:r>
-              <a:rPr lang="en-US" dirty="0" smtClean="0"/>
-              <a:t>stages </a:t>
-            </a:r>
-            <a:r>
-              <a:rPr lang="en-US" dirty="0" smtClean="0"/>
-              <a:t>corresponding to </a:t>
-            </a:r>
-            <a:r>
-              <a:rPr lang="en-US" dirty="0" smtClean="0"/>
-              <a:t>a particular type of </a:t>
-            </a:r>
-            <a:r>
-              <a:rPr lang="en-US" dirty="0" smtClean="0"/>
-              <a:t>cancer occurred in each </a:t>
-            </a:r>
-            <a:r>
-              <a:rPr lang="en-US" dirty="0" smtClean="0"/>
-              <a:t>note </a:t>
+              <a:t>A dictionary of all stages corresponding to a particular type of cancer occurred in each note </a:t>
             </a:r>
             <a:endParaRPr lang="en-US" dirty="0"/>
           </a:p>
@@ -4687,67 +5534,83 @@
           <a:p>
             <a:r>
               <a:rPr lang="en-US" dirty="0" smtClean="0"/>
-              <a:t>Use Regular Expression for keyword matching</a:t>
-            </a:r>
+              <a:t>Split text into a sentence level</a:t>
+            </a:r>
+            <a:endParaRPr lang="en-US" dirty="0" smtClean="0"/>
+          </a:p>
+          <a:p>
+            <a:pPr marL="274320" lvl="1" indent="-274320">
+              <a:buClr>
+                <a:schemeClr val="accent3"/>
+              </a:buClr>
+              <a:buSzPct val="95000"/>
+            </a:pPr>
+            <a:r>
+              <a:rPr lang="en-US" dirty="0" err="1" smtClean="0"/>
+              <a:t>get_stage_num</a:t>
+            </a:r>
+            <a:r>
+              <a:rPr lang="en-US" dirty="0" smtClean="0"/>
+              <a:t>: </a:t>
+            </a:r>
+            <a:endParaRPr lang="en-US" dirty="0" smtClean="0"/>
           </a:p>
           <a:p>
             <a:pPr lvl="1"/>
             <a:r>
               <a:rPr lang="en-US" dirty="0" smtClean="0"/>
-              <a:t>Stage keyword: ‘Stage’ and ‘Grade’ and for TNM system</a:t>
-            </a:r>
-          </a:p>
-          <a:p>
-            <a:r>
-              <a:rPr lang="en-US" dirty="0" smtClean="0"/>
-              <a:t>Pre-determine the distance threshold (default: 500 characters) to search for colon cancer keywords in the surrounding text of stage keyword</a:t>
+              <a:t>Use </a:t>
+            </a:r>
+            <a:r>
+              <a:rPr lang="en-US" dirty="0" smtClean="0"/>
+              <a:t>Regular Expression for keyword matching</a:t>
             </a:r>
           </a:p>
           <a:p>
             <a:pPr lvl="1"/>
             <a:r>
               <a:rPr lang="en-US" dirty="0" smtClean="0"/>
-              <a:t>Colon cancer keyword: '((</a:t>
-            </a:r>
-            <a:r>
-              <a:rPr lang="en-US" dirty="0" err="1" smtClean="0"/>
-              <a:t>colon|rectal|rectosigmoid|colorectal</a:t>
-            </a:r>
-            <a:r>
-              <a:rPr lang="en-US" dirty="0" smtClean="0"/>
-              <a:t>) (</a:t>
-            </a:r>
-            <a:r>
-              <a:rPr lang="en-US" dirty="0" err="1" smtClean="0"/>
-              <a:t>cancer|carcinoma</a:t>
-            </a:r>
-            <a:r>
-              <a:rPr lang="en-US" dirty="0" smtClean="0"/>
-              <a:t>))|(</a:t>
-            </a:r>
-            <a:r>
-              <a:rPr lang="en-US" dirty="0" err="1" smtClean="0"/>
-              <a:t>cancer|enocarcinoma</a:t>
-            </a:r>
-            <a:r>
-              <a:rPr lang="en-US" dirty="0" smtClean="0"/>
-              <a:t>.*</a:t>
-            </a:r>
-            <a:r>
-              <a:rPr lang="en-US" dirty="0" err="1" smtClean="0"/>
-              <a:t>colon|sigmoid</a:t>
-            </a:r>
-            <a:r>
-              <a:rPr lang="en-US" dirty="0" smtClean="0"/>
-              <a:t>)|colon neoplasm'</a:t>
-            </a:r>
-          </a:p>
-          <a:p>
-            <a:r>
-              <a:rPr lang="en-US" dirty="0" smtClean="0"/>
-              <a:t>Convert all returned stage into number</a:t>
-            </a:r>
-            <a:endParaRPr lang="en-US" dirty="0"/>
+              <a:t>Stage keyword: ‘Stage’ and ‘Grade</a:t>
+            </a:r>
+            <a:r>
+              <a:rPr lang="en-US" dirty="0" smtClean="0"/>
+              <a:t>’</a:t>
+            </a:r>
+          </a:p>
+          <a:p>
+            <a:pPr lvl="1"/>
+            <a:r>
+              <a:rPr lang="en-US" dirty="0" smtClean="0"/>
+              <a:t>Extract stage from the sentence containing the stage keyword</a:t>
+            </a:r>
+            <a:endParaRPr lang="en-US" dirty="0" smtClean="0"/>
+          </a:p>
+          <a:p>
+            <a:pPr lvl="1"/>
+            <a:r>
+              <a:rPr lang="en-US" dirty="0" smtClean="0"/>
+              <a:t>Convert </a:t>
+            </a:r>
+            <a:r>
+              <a:rPr lang="en-US" dirty="0" smtClean="0"/>
+              <a:t>the returned </a:t>
+            </a:r>
+            <a:r>
+              <a:rPr lang="en-US" dirty="0" smtClean="0"/>
+              <a:t>stage into </a:t>
+            </a:r>
+            <a:r>
+              <a:rPr lang="en-US" dirty="0" smtClean="0"/>
+              <a:t>number</a:t>
+            </a:r>
+          </a:p>
+          <a:p>
+            <a:pPr lvl="1"/>
+            <a:r>
+              <a:rPr lang="en-US" dirty="0" smtClean="0"/>
+              <a:t>Return a dictionary of stage and line number (which sentence)</a:t>
+            </a:r>
+            <a:endParaRPr lang="en-US" dirty="0" smtClean="0"/>
           </a:p>
         </p:txBody>
       </p:sp>
@@ -4793,7 +5656,7 @@
           <a:p>
             <a:r>
               <a:rPr lang="en-US" dirty="0" smtClean="0"/>
-              <a:t>TNM (AJCC) staging system</a:t>
+              <a:t>Algorithm</a:t>
             </a:r>
             <a:endParaRPr lang="en-US" dirty="0"/>
           </a:p>
@@ -4812,35 +5675,99 @@
         <p:spPr/>
         <p:txBody>
           <a:bodyPr>
-            <a:normAutofit/>
+            <a:normAutofit lnSpcReduction="10000"/>
           </a:bodyPr>
           <a:lstStyle/>
           <a:p>
             <a:r>
-              <a:rPr lang="en-US" dirty="0" smtClean="0"/>
-              <a:t>Create a dictionary of key and stage</a:t>
-            </a:r>
-          </a:p>
-          <a:p>
-            <a:r>
-              <a:rPr lang="en-US" dirty="0" smtClean="0"/>
-              <a:t>Extract key (e.g. T0 N0 M0) from the pathology note</a:t>
-            </a:r>
-          </a:p>
-          <a:p>
-            <a:r>
-              <a:rPr lang="en-US" dirty="0" smtClean="0"/>
-              <a:t>Match the extracted key with the dictionary to return the stage</a:t>
-            </a:r>
-          </a:p>
-          <a:p>
+              <a:rPr lang="en-US" dirty="0" err="1" smtClean="0"/>
+              <a:t>get_stage_from_pa</a:t>
+            </a:r>
+            <a:r>
+              <a:rPr lang="en-US" dirty="0" smtClean="0"/>
+              <a:t>: </a:t>
+            </a:r>
+          </a:p>
+          <a:p>
+            <a:pPr lvl="1"/>
+            <a:r>
+              <a:rPr lang="en-US" dirty="0" smtClean="0"/>
+              <a:t>Use when TNM(AJCC) staging system is used with a particular format</a:t>
+            </a:r>
+          </a:p>
+          <a:p>
+            <a:pPr lvl="1"/>
+            <a:r>
+              <a:rPr lang="en-US" dirty="0" smtClean="0"/>
+              <a:t>Extract stage of the cancer by detecting keywords </a:t>
+            </a:r>
+            <a:r>
+              <a:rPr lang="en-US" dirty="0" smtClean="0"/>
+              <a:t>(e.g. T0 N0 M0) from the pathology </a:t>
+            </a:r>
+            <a:r>
+              <a:rPr lang="en-US" dirty="0" smtClean="0"/>
+              <a:t>note</a:t>
+            </a:r>
+          </a:p>
+          <a:p>
+            <a:pPr lvl="1"/>
+            <a:r>
+              <a:rPr lang="en-US" dirty="0" smtClean="0"/>
+              <a:t>Match the extracted key with the </a:t>
+            </a:r>
+            <a:r>
+              <a:rPr lang="en-US" dirty="0" smtClean="0"/>
+              <a:t>dictionary (manually create) </a:t>
+            </a:r>
+            <a:r>
+              <a:rPr lang="en-US" dirty="0" smtClean="0"/>
+              <a:t>to return the </a:t>
+            </a:r>
+            <a:r>
+              <a:rPr lang="en-US" dirty="0" smtClean="0"/>
+              <a:t>stage</a:t>
+            </a:r>
+          </a:p>
+          <a:p>
+            <a:pPr lvl="1"/>
+            <a:r>
+              <a:rPr lang="en-US" dirty="0" smtClean="0"/>
+              <a:t>Return </a:t>
+            </a:r>
+            <a:r>
+              <a:rPr lang="en-US" dirty="0" smtClean="0"/>
+              <a:t>a dictionary of stage and line </a:t>
+            </a:r>
+            <a:r>
+              <a:rPr lang="en-US" dirty="0" smtClean="0"/>
+              <a:t>number</a:t>
+            </a:r>
+          </a:p>
+          <a:p>
+            <a:pPr lvl="1"/>
             <a:r>
               <a:rPr lang="en-US" dirty="0" smtClean="0"/>
               <a:t>Reference: http://www.cancer.org/cancer/colonandrectumcancer/detailedguide/colorectal-cancer-staged</a:t>
             </a:r>
           </a:p>
           <a:p>
+            <a:pPr lvl="1"/>
             <a:endParaRPr lang="en-US" dirty="0" smtClean="0"/>
+          </a:p>
+          <a:p>
+            <a:pPr lvl="1">
+              <a:buNone/>
+            </a:pPr>
+            <a:endParaRPr lang="en-US" dirty="0" smtClean="0"/>
+          </a:p>
+          <a:p>
+            <a:pPr lvl="1"/>
+            <a:endParaRPr lang="en-US" dirty="0" smtClean="0"/>
+          </a:p>
+          <a:p>
+            <a:pPr lvl="1"/>
+            <a:endParaRPr lang="en-US" dirty="0"/>
           </a:p>
         </p:txBody>
       </p:sp>
@@ -4886,7 +5813,7 @@
           <a:p>
             <a:r>
               <a:rPr lang="en-US" dirty="0" smtClean="0"/>
-              <a:t>Grouping</a:t>
+              <a:t>Algorithm</a:t>
             </a:r>
             <a:endParaRPr lang="en-US" dirty="0"/>
           </a:p>
@@ -4904,83 +5831,43 @@
         </p:nvSpPr>
         <p:spPr/>
         <p:txBody>
-          <a:bodyPr>
-            <a:normAutofit/>
-          </a:bodyPr>
-          <a:lstStyle/>
-          <a:p>
-            <a:r>
-              <a:rPr lang="en-US" dirty="0" smtClean="0"/>
-              <a:t>Result: a list of cancer stage corresponding to each patient</a:t>
-            </a:r>
-          </a:p>
-          <a:p>
-            <a:endParaRPr lang="en-US" dirty="0" smtClean="0"/>
-          </a:p>
-          <a:p>
-            <a:endParaRPr lang="en-US" dirty="0" smtClean="0"/>
-          </a:p>
-          <a:p>
-            <a:endParaRPr lang="en-US" dirty="0" smtClean="0"/>
-          </a:p>
-          <a:p>
-            <a:endParaRPr lang="en-US" dirty="0" smtClean="0"/>
-          </a:p>
-          <a:p>
-            <a:endParaRPr lang="en-US" dirty="0" smtClean="0"/>
-          </a:p>
-          <a:p>
-            <a:r>
-              <a:rPr lang="en-US" dirty="0" smtClean="0"/>
-              <a:t>Retrieve: 31 where Total patients: 167 </a:t>
-            </a:r>
-          </a:p>
-          <a:p>
-            <a:pPr>
-              <a:buNone/>
-            </a:pPr>
-            <a:r>
-              <a:rPr lang="en-US" dirty="0" smtClean="0"/>
-              <a:t>  </a:t>
-            </a:r>
-          </a:p>
-          <a:p>
+          <a:bodyPr/>
+          <a:lstStyle/>
+          <a:p>
+            <a:r>
+              <a:rPr lang="en-US" dirty="0" err="1" smtClean="0"/>
+              <a:t>get_cancer_type</a:t>
+            </a:r>
+            <a:r>
+              <a:rPr lang="en-US" dirty="0" smtClean="0"/>
+              <a:t>:</a:t>
+            </a:r>
+          </a:p>
+          <a:p>
+            <a:pPr lvl="1"/>
+            <a:r>
+              <a:rPr lang="en-US" dirty="0" smtClean="0"/>
+              <a:t>Check for cancer type </a:t>
+            </a:r>
+            <a:r>
+              <a:rPr lang="en-US" dirty="0" smtClean="0"/>
+              <a:t>keywords </a:t>
+            </a:r>
+            <a:r>
+              <a:rPr lang="en-US" dirty="0" smtClean="0"/>
+              <a:t>obtained from ‘organList.txt’ and keywords indicating cancer obtained from ‘cancerList.txt’ in each line</a:t>
+            </a:r>
+          </a:p>
+          <a:p>
+            <a:pPr lvl="1"/>
+            <a:r>
+              <a:rPr lang="en-US" dirty="0" smtClean="0"/>
+              <a:t>Return a dictionary of cancer type and line number when both cancer type keywords and keywords indicating cancer are detected in the same sentence</a:t>
+            </a:r>
             <a:endParaRPr lang="en-US" dirty="0"/>
           </a:p>
         </p:txBody>
       </p:sp>
-      <p:pic>
-        <p:nvPicPr>
-          <p:cNvPr id="1027" name="Picture 3"/>
-          <p:cNvPicPr>
-            <a:picLocks noChangeAspect="1" noChangeArrowheads="1"/>
-          </p:cNvPicPr>
-          <p:nvPr/>
-        </p:nvPicPr>
-        <p:blipFill>
-          <a:blip r:embed="rId2" cstate="print"/>
-          <a:srcRect/>
-          <a:stretch>
-            <a:fillRect/>
-          </a:stretch>
-        </p:blipFill>
-        <p:spPr bwMode="auto">
-          <a:xfrm>
-            <a:off x="3505200" y="2286000"/>
-            <a:ext cx="2667000" cy="2610255"/>
-          </a:xfrm>
-          <a:prstGeom prst="rect">
-            <a:avLst/>
-          </a:prstGeom>
-          <a:noFill/>
-          <a:ln w="9525">
-            <a:noFill/>
-            <a:miter lim="800000"/>
-            <a:headEnd/>
-            <a:tailEnd/>
-          </a:ln>
-        </p:spPr>
-      </p:pic>
     </p:spTree>
   </p:cSld>
   <p:clrMapOvr>
@@ -5023,7 +5910,7 @@
           <a:p>
             <a:r>
               <a:rPr lang="en-US" dirty="0" smtClean="0"/>
-              <a:t>Results</a:t>
+              <a:t>Algorithm</a:t>
             </a:r>
             <a:endParaRPr lang="en-US" dirty="0"/>
           </a:p>
@@ -5041,52 +5928,181 @@
         </p:nvSpPr>
         <p:spPr/>
         <p:txBody>
-          <a:bodyPr/>
-          <a:lstStyle/>
-          <a:p>
-            <a:r>
-              <a:rPr lang="en-US" dirty="0" smtClean="0"/>
-              <a:t>Manually observe to validate the results</a:t>
-            </a:r>
-          </a:p>
-          <a:p>
-            <a:r>
-              <a:rPr lang="en-US" dirty="0" smtClean="0"/>
-              <a:t>The algorithm works find with notes containing stage keywords</a:t>
-            </a:r>
-          </a:p>
-          <a:p>
-            <a:r>
-              <a:rPr lang="en-US" dirty="0" smtClean="0"/>
-              <a:t>136 patients are missed</a:t>
-            </a:r>
-          </a:p>
-          <a:p>
-            <a:pPr lvl="1"/>
-            <a:r>
-              <a:rPr lang="en-US" dirty="0" smtClean="0"/>
-              <a:t>Impossible to identify: notes contain no useful information</a:t>
-            </a:r>
-          </a:p>
-          <a:p>
-            <a:pPr lvl="1"/>
-            <a:r>
-              <a:rPr lang="en-US" dirty="0" smtClean="0"/>
-              <a:t>Require additional knowledge</a:t>
-            </a:r>
-          </a:p>
-          <a:p>
-            <a:pPr lvl="1">
-              <a:buNone/>
-            </a:pPr>
+          <a:bodyPr>
+            <a:normAutofit/>
+          </a:bodyPr>
+          <a:lstStyle/>
+          <a:p>
+            <a:r>
+              <a:rPr lang="en-US" dirty="0" smtClean="0"/>
+              <a:t>Returned dictionary</a:t>
+            </a:r>
             <a:endParaRPr lang="en-US" dirty="0" smtClean="0"/>
           </a:p>
-          <a:p>
-            <a:pPr lvl="1"/>
-            <a:endParaRPr lang="en-US" dirty="0" smtClean="0"/>
-          </a:p>
-        </p:txBody>
-      </p:sp>
+        </p:txBody>
+      </p:sp>
+      <p:pic>
+        <p:nvPicPr>
+          <p:cNvPr id="4" name="Picture 2"/>
+          <p:cNvPicPr>
+            <a:picLocks noChangeAspect="1" noChangeArrowheads="1"/>
+          </p:cNvPicPr>
+          <p:nvPr/>
+        </p:nvPicPr>
+        <p:blipFill>
+          <a:blip r:embed="rId3" cstate="print"/>
+          <a:srcRect/>
+          <a:stretch>
+            <a:fillRect/>
+          </a:stretch>
+        </p:blipFill>
+        <p:spPr bwMode="auto">
+          <a:xfrm>
+            <a:off x="457200" y="3505200"/>
+            <a:ext cx="3657600" cy="1725013"/>
+          </a:xfrm>
+          <a:prstGeom prst="rect">
+            <a:avLst/>
+          </a:prstGeom>
+          <a:noFill/>
+          <a:ln w="9525">
+            <a:noFill/>
+            <a:miter lim="800000"/>
+            <a:headEnd/>
+            <a:tailEnd/>
+          </a:ln>
+        </p:spPr>
+      </p:pic>
+      <p:pic>
+        <p:nvPicPr>
+          <p:cNvPr id="2050" name="Picture 2"/>
+          <p:cNvPicPr>
+            <a:picLocks noChangeAspect="1" noChangeArrowheads="1"/>
+          </p:cNvPicPr>
+          <p:nvPr/>
+        </p:nvPicPr>
+        <p:blipFill>
+          <a:blip r:embed="rId4" cstate="print"/>
+          <a:srcRect/>
+          <a:stretch>
+            <a:fillRect/>
+          </a:stretch>
+        </p:blipFill>
+        <p:spPr bwMode="auto">
+          <a:xfrm>
+            <a:off x="4724400" y="762000"/>
+            <a:ext cx="4132737" cy="4100513"/>
+          </a:xfrm>
+          <a:prstGeom prst="rect">
+            <a:avLst/>
+          </a:prstGeom>
+          <a:noFill/>
+          <a:ln w="9525">
+            <a:noFill/>
+            <a:miter lim="800000"/>
+            <a:headEnd/>
+            <a:tailEnd/>
+          </a:ln>
+        </p:spPr>
+      </p:pic>
+      <p:pic>
+        <p:nvPicPr>
+          <p:cNvPr id="2051" name="Picture 3"/>
+          <p:cNvPicPr>
+            <a:picLocks noChangeAspect="1" noChangeArrowheads="1"/>
+          </p:cNvPicPr>
+          <p:nvPr/>
+        </p:nvPicPr>
+        <p:blipFill>
+          <a:blip r:embed="rId5" cstate="print"/>
+          <a:srcRect/>
+          <a:stretch>
+            <a:fillRect/>
+          </a:stretch>
+        </p:blipFill>
+        <p:spPr bwMode="auto">
+          <a:xfrm>
+            <a:off x="4724400" y="5105400"/>
+            <a:ext cx="4114800" cy="1528763"/>
+          </a:xfrm>
+          <a:prstGeom prst="rect">
+            <a:avLst/>
+          </a:prstGeom>
+          <a:noFill/>
+          <a:ln w="9525">
+            <a:noFill/>
+            <a:miter lim="800000"/>
+            <a:headEnd/>
+            <a:tailEnd/>
+          </a:ln>
+        </p:spPr>
+      </p:pic>
+      <p:cxnSp>
+        <p:nvCxnSpPr>
+          <p:cNvPr id="8" name="Straight Arrow Connector 7"/>
+          <p:cNvCxnSpPr/>
+          <p:nvPr/>
+        </p:nvCxnSpPr>
+        <p:spPr>
+          <a:xfrm flipV="1">
+            <a:off x="3124200" y="2667000"/>
+            <a:ext cx="1752600" cy="1371600"/>
+          </a:xfrm>
+          <a:prstGeom prst="straightConnector1">
+            <a:avLst/>
+          </a:prstGeom>
+          <a:ln>
+            <a:tailEnd type="arrow"/>
+          </a:ln>
+        </p:spPr>
+        <p:style>
+          <a:lnRef idx="1">
+            <a:schemeClr val="dk1"/>
+          </a:lnRef>
+          <a:fillRef idx="0">
+            <a:schemeClr val="dk1"/>
+          </a:fillRef>
+          <a:effectRef idx="0">
+            <a:schemeClr val="dk1"/>
+          </a:effectRef>
+          <a:fontRef idx="minor">
+            <a:schemeClr val="tx1"/>
+          </a:fontRef>
+        </p:style>
+      </p:cxnSp>
+      <p:cxnSp>
+        <p:nvCxnSpPr>
+          <p:cNvPr id="10" name="Straight Arrow Connector 9"/>
+          <p:cNvCxnSpPr/>
+          <p:nvPr/>
+        </p:nvCxnSpPr>
+        <p:spPr>
+          <a:xfrm>
+            <a:off x="3124200" y="4495800"/>
+            <a:ext cx="1752600" cy="1295400"/>
+          </a:xfrm>
+          <a:prstGeom prst="straightConnector1">
+            <a:avLst/>
+          </a:prstGeom>
+          <a:ln>
+            <a:tailEnd type="arrow"/>
+          </a:ln>
+        </p:spPr>
+        <p:style>
+          <a:lnRef idx="1">
+            <a:schemeClr val="dk1"/>
+          </a:lnRef>
+          <a:fillRef idx="0">
+            <a:schemeClr val="dk1"/>
+          </a:fillRef>
+          <a:effectRef idx="0">
+            <a:schemeClr val="dk1"/>
+          </a:effectRef>
+          <a:fontRef idx="minor">
+            <a:schemeClr val="tx1"/>
+          </a:fontRef>
+        </p:style>
+      </p:cxnSp>
     </p:spTree>
   </p:cSld>
   <p:clrMapOvr>
@@ -5129,7 +6145,7 @@
           <a:p>
             <a:r>
               <a:rPr lang="en-US" dirty="0" smtClean="0"/>
-              <a:t>Results</a:t>
+              <a:t>Algorithm</a:t>
             </a:r>
             <a:endParaRPr lang="en-US" dirty="0"/>
           </a:p>
@@ -5145,42 +6161,42 @@
             <p:ph idx="1"/>
           </p:nvPr>
         </p:nvSpPr>
-        <p:spPr>
-          <a:xfrm>
-            <a:off x="457200" y="1524000"/>
-            <a:ext cx="8229600" cy="4602163"/>
-          </a:xfrm>
-        </p:spPr>
+        <p:spPr/>
         <p:txBody>
           <a:bodyPr/>
           <a:lstStyle/>
           <a:p>
             <a:r>
-              <a:rPr lang="en-US" dirty="0" smtClean="0"/>
-              <a:t>Impossible to identify :</a:t>
-            </a:r>
-          </a:p>
-          <a:p>
-            <a:endParaRPr lang="en-US" dirty="0" smtClean="0"/>
-          </a:p>
-          <a:p>
-            <a:pPr>
-              <a:buNone/>
-            </a:pPr>
-            <a:endParaRPr lang="en-US" dirty="0" smtClean="0"/>
-          </a:p>
-          <a:p>
-            <a:r>
-              <a:rPr lang="en-US" dirty="0" smtClean="0"/>
-              <a:t>May be possible with additional knowledge: </a:t>
-            </a:r>
+              <a:rPr lang="en-US" dirty="0" err="1" smtClean="0"/>
+              <a:t>match_result</a:t>
+            </a:r>
+            <a:r>
+              <a:rPr lang="en-US" dirty="0" smtClean="0"/>
+              <a:t>:</a:t>
+            </a:r>
+          </a:p>
+          <a:p>
+            <a:pPr lvl="1"/>
+            <a:r>
+              <a:rPr lang="en-US" dirty="0" smtClean="0"/>
+              <a:t>Match returned results between cancer type and stage number  when both appear in the same sentence</a:t>
+            </a:r>
+          </a:p>
+          <a:p>
+            <a:pPr lvl="1"/>
+            <a:r>
+              <a:rPr lang="en-US" dirty="0" smtClean="0"/>
+              <a:t>Return a dictionary of cancer type with a value of stage and note (‘p’ or ‘pa’)</a:t>
+            </a:r>
+          </a:p>
+          <a:p>
             <a:endParaRPr lang="en-US" dirty="0"/>
           </a:p>
         </p:txBody>
       </p:sp>
       <p:pic>
         <p:nvPicPr>
-          <p:cNvPr id="2050" name="Picture 2"/>
+          <p:cNvPr id="3075" name="Picture 3"/>
           <p:cNvPicPr>
             <a:picLocks noChangeAspect="1" noChangeArrowheads="1"/>
           </p:cNvPicPr>
@@ -5195,104 +6211,8 @@
         </p:blipFill>
         <p:spPr bwMode="auto">
           <a:xfrm>
-            <a:off x="914401" y="2133600"/>
-            <a:ext cx="2895600" cy="1168254"/>
-          </a:xfrm>
-          <a:prstGeom prst="rect">
-            <a:avLst/>
-          </a:prstGeom>
-          <a:noFill/>
-          <a:ln w="9525">
-            <a:noFill/>
-            <a:miter lim="800000"/>
-            <a:headEnd/>
-            <a:tailEnd/>
-          </a:ln>
-        </p:spPr>
-      </p:pic>
-      <p:pic>
-        <p:nvPicPr>
-          <p:cNvPr id="2051" name="Picture 3"/>
-          <p:cNvPicPr>
-            <a:picLocks noChangeAspect="1" noChangeArrowheads="1"/>
-          </p:cNvPicPr>
-          <p:nvPr/>
-        </p:nvPicPr>
-        <p:blipFill>
-          <a:blip r:embed="rId3" cstate="print"/>
-          <a:srcRect/>
-          <a:stretch>
-            <a:fillRect/>
-          </a:stretch>
-        </p:blipFill>
-        <p:spPr bwMode="auto">
-          <a:xfrm>
-            <a:off x="5105400" y="2133600"/>
-            <a:ext cx="2514600" cy="528933"/>
-          </a:xfrm>
-          <a:prstGeom prst="rect">
-            <a:avLst/>
-          </a:prstGeom>
-          <a:noFill/>
-          <a:ln w="9525">
-            <a:noFill/>
-            <a:miter lim="800000"/>
-            <a:headEnd/>
-            <a:tailEnd/>
-          </a:ln>
-        </p:spPr>
-      </p:pic>
-      <p:pic>
-        <p:nvPicPr>
-          <p:cNvPr id="2052" name="Picture 4"/>
-          <p:cNvPicPr>
-            <a:picLocks noChangeAspect="1" noChangeArrowheads="1"/>
-          </p:cNvPicPr>
-          <p:nvPr/>
-        </p:nvPicPr>
-        <p:blipFill>
-          <a:blip r:embed="rId4" cstate="print"/>
-          <a:srcRect/>
-          <a:stretch>
-            <a:fillRect/>
-          </a:stretch>
-        </p:blipFill>
-        <p:spPr bwMode="auto">
-          <a:xfrm>
-            <a:off x="381000" y="4114800"/>
-            <a:ext cx="4191000" cy="1066800"/>
-          </a:xfrm>
-          <a:prstGeom prst="rect">
-            <a:avLst/>
-          </a:prstGeom>
-          <a:noFill/>
-          <a:ln w="9525">
-            <a:noFill/>
-            <a:miter lim="800000"/>
-            <a:headEnd/>
-            <a:tailEnd/>
-          </a:ln>
-        </p:spPr>
-      </p:pic>
-      <p:pic>
-        <p:nvPicPr>
-          <p:cNvPr id="2053" name="Picture 5"/>
-          <p:cNvPicPr>
-            <a:picLocks noChangeAspect="1" noChangeArrowheads="1"/>
-          </p:cNvPicPr>
-          <p:nvPr/>
-        </p:nvPicPr>
-        <p:blipFill>
-          <a:blip r:embed="rId5" cstate="print"/>
-          <a:srcRect/>
-          <a:stretch>
-            <a:fillRect/>
-          </a:stretch>
-        </p:blipFill>
-        <p:spPr bwMode="auto">
-          <a:xfrm>
-            <a:off x="4648200" y="3962400"/>
-            <a:ext cx="4267200" cy="2362200"/>
+            <a:off x="1981200" y="4191000"/>
+            <a:ext cx="4867275" cy="2266950"/>
           </a:xfrm>
           <a:prstGeom prst="rect">
             <a:avLst/>
@@ -5607,4 +6527,287 @@
   <a:objectDefaults/>
   <a:extraClrSchemeLst/>
 </a:theme>
+</file>
+
+<file path=ppt/theme/theme2.xml><?xml version="1.0" encoding="utf-8"?>
+<a:theme xmlns:a="http://schemas.openxmlformats.org/drawingml/2006/main" name="Office Theme">
+  <a:themeElements>
+    <a:clrScheme name="Office">
+      <a:dk1>
+        <a:sysClr val="windowText" lastClr="000000"/>
+      </a:dk1>
+      <a:lt1>
+        <a:sysClr val="window" lastClr="FFFFFF"/>
+      </a:lt1>
+      <a:dk2>
+        <a:srgbClr val="1F497D"/>
+      </a:dk2>
+      <a:lt2>
+        <a:srgbClr val="EEECE1"/>
+      </a:lt2>
+      <a:accent1>
+        <a:srgbClr val="4F81BD"/>
+      </a:accent1>
+      <a:accent2>
+        <a:srgbClr val="C0504D"/>
+      </a:accent2>
+      <a:accent3>
+        <a:srgbClr val="9BBB59"/>
+      </a:accent3>
+      <a:accent4>
+        <a:srgbClr val="8064A2"/>
+      </a:accent4>
+      <a:accent5>
+        <a:srgbClr val="4BACC6"/>
+      </a:accent5>
+      <a:accent6>
+        <a:srgbClr val="F79646"/>
+      </a:accent6>
+      <a:hlink>
+        <a:srgbClr val="0000FF"/>
+      </a:hlink>
+      <a:folHlink>
+        <a:srgbClr val="800080"/>
+      </a:folHlink>
+    </a:clrScheme>
+    <a:fontScheme name="Office">
+      <a:majorFont>
+        <a:latin typeface="Calibri"/>
+        <a:ea typeface=""/>
+        <a:cs typeface=""/>
+        <a:font script="Jpan" typeface="ＭＳ Ｐゴシック"/>
+        <a:font script="Hang" typeface="맑은 고딕"/>
+        <a:font script="Hans" typeface="宋体"/>
+        <a:font script="Hant" typeface="新細明體"/>
+        <a:font script="Arab" typeface="Times New Roman"/>
+        <a:font script="Hebr" typeface="Times New Roman"/>
+        <a:font script="Thai" typeface="Angsana New"/>
+        <a:font script="Ethi" typeface="Nyala"/>
+        <a:font script="Beng" typeface="Vrinda"/>
+        <a:font script="Gujr" typeface="Shruti"/>
+        <a:font script="Khmr" typeface="MoolBoran"/>
+        <a:font script="Knda" typeface="Tunga"/>
+        <a:font script="Guru" typeface="Raavi"/>
+        <a:font script="Cans" typeface="Euphemia"/>
+        <a:font script="Cher" typeface="Plantagenet Cherokee"/>
+        <a:font script="Yiii" typeface="Microsoft Yi Baiti"/>
+        <a:font script="Tibt" typeface="Microsoft Himalaya"/>
+        <a:font script="Thaa" typeface="MV Boli"/>
+        <a:font script="Deva" typeface="Mangal"/>
+        <a:font script="Telu" typeface="Gautami"/>
+        <a:font script="Taml" typeface="Latha"/>
+        <a:font script="Syrc" typeface="Estrangelo Edessa"/>
+        <a:font script="Orya" typeface="Kalinga"/>
+        <a:font script="Mlym" typeface="Kartika"/>
+        <a:font script="Laoo" typeface="DokChampa"/>
+        <a:font script="Sinh" typeface="Iskoola Pota"/>
+        <a:font script="Mong" typeface="Mongolian Baiti"/>
+        <a:font script="Viet" typeface="Times New Roman"/>
+        <a:font script="Uigh" typeface="Microsoft Uighur"/>
+      </a:majorFont>
+      <a:minorFont>
+        <a:latin typeface="Calibri"/>
+        <a:ea typeface=""/>
+        <a:cs typeface=""/>
+        <a:font script="Jpan" typeface="ＭＳ Ｐゴシック"/>
+        <a:font script="Hang" typeface="맑은 고딕"/>
+        <a:font script="Hans" typeface="宋体"/>
+        <a:font script="Hant" typeface="新細明體"/>
+        <a:font script="Arab" typeface="Arial"/>
+        <a:font script="Hebr" typeface="Arial"/>
+        <a:font script="Thai" typeface="Cordia New"/>
+        <a:font script="Ethi" typeface="Nyala"/>
+        <a:font script="Beng" typeface="Vrinda"/>
+        <a:font script="Gujr" typeface="Shruti"/>
+        <a:font script="Khmr" typeface="DaunPenh"/>
+        <a:font script="Knda" typeface="Tunga"/>
+        <a:font script="Guru" typeface="Raavi"/>
+        <a:font script="Cans" typeface="Euphemia"/>
+        <a:font script="Cher" typeface="Plantagenet Cherokee"/>
+        <a:font script="Yiii" typeface="Microsoft Yi Baiti"/>
+        <a:font script="Tibt" typeface="Microsoft Himalaya"/>
+        <a:font script="Thaa" typeface="MV Boli"/>
+        <a:font script="Deva" typeface="Mangal"/>
+        <a:font script="Telu" typeface="Gautami"/>
+        <a:font script="Taml" typeface="Latha"/>
+        <a:font script="Syrc" typeface="Estrangelo Edessa"/>
+        <a:font script="Orya" typeface="Kalinga"/>
+        <a:font script="Mlym" typeface="Kartika"/>
+        <a:font script="Laoo" typeface="DokChampa"/>
+        <a:font script="Sinh" typeface="Iskoola Pota"/>
+        <a:font script="Mong" typeface="Mongolian Baiti"/>
+        <a:font script="Viet" typeface="Arial"/>
+        <a:font script="Uigh" typeface="Microsoft Uighur"/>
+      </a:minorFont>
+    </a:fontScheme>
+    <a:fmtScheme name="Office">
+      <a:fillStyleLst>
+        <a:solidFill>
+          <a:schemeClr val="phClr"/>
+        </a:solidFill>
+        <a:gradFill rotWithShape="1">
+          <a:gsLst>
+            <a:gs pos="0">
+              <a:schemeClr val="phClr">
+                <a:tint val="50000"/>
+                <a:satMod val="300000"/>
+              </a:schemeClr>
+            </a:gs>
+            <a:gs pos="35000">
+              <a:schemeClr val="phClr">
+                <a:tint val="37000"/>
+                <a:satMod val="300000"/>
+              </a:schemeClr>
+            </a:gs>
+            <a:gs pos="100000">
+              <a:schemeClr val="phClr">
+                <a:tint val="15000"/>
+                <a:satMod val="350000"/>
+              </a:schemeClr>
+            </a:gs>
+          </a:gsLst>
+          <a:lin ang="16200000" scaled="1"/>
+        </a:gradFill>
+        <a:gradFill rotWithShape="1">
+          <a:gsLst>
+            <a:gs pos="0">
+              <a:schemeClr val="phClr">
+                <a:shade val="51000"/>
+                <a:satMod val="130000"/>
+              </a:schemeClr>
+            </a:gs>
+            <a:gs pos="80000">
+              <a:schemeClr val="phClr">
+                <a:shade val="93000"/>
+                <a:satMod val="130000"/>
+              </a:schemeClr>
+            </a:gs>
+            <a:gs pos="100000">
+              <a:schemeClr val="phClr">
+                <a:shade val="94000"/>
+                <a:satMod val="135000"/>
+              </a:schemeClr>
+            </a:gs>
+          </a:gsLst>
+          <a:lin ang="16200000" scaled="0"/>
+        </a:gradFill>
+      </a:fillStyleLst>
+      <a:lnStyleLst>
+        <a:ln w="9525" cap="flat" cmpd="sng" algn="ctr">
+          <a:solidFill>
+            <a:schemeClr val="phClr">
+              <a:shade val="95000"/>
+              <a:satMod val="105000"/>
+            </a:schemeClr>
+          </a:solidFill>
+          <a:prstDash val="solid"/>
+        </a:ln>
+        <a:ln w="25400" cap="flat" cmpd="sng" algn="ctr">
+          <a:solidFill>
+            <a:schemeClr val="phClr"/>
+          </a:solidFill>
+          <a:prstDash val="solid"/>
+        </a:ln>
+        <a:ln w="38100" cap="flat" cmpd="sng" algn="ctr">
+          <a:solidFill>
+            <a:schemeClr val="phClr"/>
+          </a:solidFill>
+          <a:prstDash val="solid"/>
+        </a:ln>
+      </a:lnStyleLst>
+      <a:effectStyleLst>
+        <a:effectStyle>
+          <a:effectLst>
+            <a:outerShdw blurRad="40000" dist="20000" dir="5400000" rotWithShape="0">
+              <a:srgbClr val="000000">
+                <a:alpha val="38000"/>
+              </a:srgbClr>
+            </a:outerShdw>
+          </a:effectLst>
+        </a:effectStyle>
+        <a:effectStyle>
+          <a:effectLst>
+            <a:outerShdw blurRad="40000" dist="23000" dir="5400000" rotWithShape="0">
+              <a:srgbClr val="000000">
+                <a:alpha val="35000"/>
+              </a:srgbClr>
+            </a:outerShdw>
+          </a:effectLst>
+        </a:effectStyle>
+        <a:effectStyle>
+          <a:effectLst>
+            <a:outerShdw blurRad="40000" dist="23000" dir="5400000" rotWithShape="0">
+              <a:srgbClr val="000000">
+                <a:alpha val="35000"/>
+              </a:srgbClr>
+            </a:outerShdw>
+          </a:effectLst>
+          <a:scene3d>
+            <a:camera prst="orthographicFront">
+              <a:rot lat="0" lon="0" rev="0"/>
+            </a:camera>
+            <a:lightRig rig="threePt" dir="t">
+              <a:rot lat="0" lon="0" rev="1200000"/>
+            </a:lightRig>
+          </a:scene3d>
+          <a:sp3d>
+            <a:bevelT w="63500" h="25400"/>
+          </a:sp3d>
+        </a:effectStyle>
+      </a:effectStyleLst>
+      <a:bgFillStyleLst>
+        <a:solidFill>
+          <a:schemeClr val="phClr"/>
+        </a:solidFill>
+        <a:gradFill rotWithShape="1">
+          <a:gsLst>
+            <a:gs pos="0">
+              <a:schemeClr val="phClr">
+                <a:tint val="40000"/>
+                <a:satMod val="350000"/>
+              </a:schemeClr>
+            </a:gs>
+            <a:gs pos="40000">
+              <a:schemeClr val="phClr">
+                <a:tint val="45000"/>
+                <a:shade val="99000"/>
+                <a:satMod val="350000"/>
+              </a:schemeClr>
+            </a:gs>
+            <a:gs pos="100000">
+              <a:schemeClr val="phClr">
+                <a:shade val="20000"/>
+                <a:satMod val="255000"/>
+              </a:schemeClr>
+            </a:gs>
+          </a:gsLst>
+          <a:path path="circle">
+            <a:fillToRect l="50000" t="-80000" r="50000" b="180000"/>
+          </a:path>
+        </a:gradFill>
+        <a:gradFill rotWithShape="1">
+          <a:gsLst>
+            <a:gs pos="0">
+              <a:schemeClr val="phClr">
+                <a:tint val="80000"/>
+                <a:satMod val="300000"/>
+              </a:schemeClr>
+            </a:gs>
+            <a:gs pos="100000">
+              <a:schemeClr val="phClr">
+                <a:shade val="30000"/>
+                <a:satMod val="200000"/>
+              </a:schemeClr>
+            </a:gs>
+          </a:gsLst>
+          <a:path path="circle">
+            <a:fillToRect l="50000" t="50000" r="50000" b="50000"/>
+          </a:path>
+        </a:gradFill>
+      </a:bgFillStyleLst>
+    </a:fmtScheme>
+  </a:themeElements>
+  <a:objectDefaults/>
+  <a:extraClrSchemeLst/>
+</a:theme>
 </file>